--- a/figures/GunPoint.pptx
+++ b/figures/GunPoint.pptx
@@ -2,7 +2,7 @@
 <file path=ppt/presentation.xml><?xml version="1.0" encoding="utf-8"?>
 <p:presentation xmlns:a="http://schemas.openxmlformats.org/drawingml/2006/main" xmlns:r="http://schemas.openxmlformats.org/officeDocument/2006/relationships" xmlns:p="http://schemas.openxmlformats.org/presentationml/2006/main" saveSubsetFonts="1" autoCompressPictures="0">
   <p:sldMasterIdLst>
-    <p:sldMasterId id="2147483648" r:id="rId1"/>
+    <p:sldMasterId id="2147483672" r:id="rId1"/>
   </p:sldMasterIdLst>
   <p:sldIdLst>
     <p:sldId id="256" r:id="rId2"/>
@@ -13,7 +13,7 @@
     <a:defPPr>
       <a:defRPr lang="en-US"/>
     </a:defPPr>
-    <a:lvl1pPr marL="0" algn="l" defTabSz="914400" rtl="0" eaLnBrk="1" latinLnBrk="0" hangingPunct="1">
+    <a:lvl1pPr marL="0" algn="l" defTabSz="457200" rtl="0" eaLnBrk="1" latinLnBrk="0" hangingPunct="1">
       <a:defRPr sz="1800" kern="1200">
         <a:solidFill>
           <a:schemeClr val="tx1"/>
@@ -23,7 +23,7 @@
         <a:cs typeface="+mn-cs"/>
       </a:defRPr>
     </a:lvl1pPr>
-    <a:lvl2pPr marL="457200" algn="l" defTabSz="914400" rtl="0" eaLnBrk="1" latinLnBrk="0" hangingPunct="1">
+    <a:lvl2pPr marL="457200" algn="l" defTabSz="457200" rtl="0" eaLnBrk="1" latinLnBrk="0" hangingPunct="1">
       <a:defRPr sz="1800" kern="1200">
         <a:solidFill>
           <a:schemeClr val="tx1"/>
@@ -33,7 +33,7 @@
         <a:cs typeface="+mn-cs"/>
       </a:defRPr>
     </a:lvl2pPr>
-    <a:lvl3pPr marL="914400" algn="l" defTabSz="914400" rtl="0" eaLnBrk="1" latinLnBrk="0" hangingPunct="1">
+    <a:lvl3pPr marL="914400" algn="l" defTabSz="457200" rtl="0" eaLnBrk="1" latinLnBrk="0" hangingPunct="1">
       <a:defRPr sz="1800" kern="1200">
         <a:solidFill>
           <a:schemeClr val="tx1"/>
@@ -43,7 +43,7 @@
         <a:cs typeface="+mn-cs"/>
       </a:defRPr>
     </a:lvl3pPr>
-    <a:lvl4pPr marL="1371600" algn="l" defTabSz="914400" rtl="0" eaLnBrk="1" latinLnBrk="0" hangingPunct="1">
+    <a:lvl4pPr marL="1371600" algn="l" defTabSz="457200" rtl="0" eaLnBrk="1" latinLnBrk="0" hangingPunct="1">
       <a:defRPr sz="1800" kern="1200">
         <a:solidFill>
           <a:schemeClr val="tx1"/>
@@ -53,7 +53,7 @@
         <a:cs typeface="+mn-cs"/>
       </a:defRPr>
     </a:lvl4pPr>
-    <a:lvl5pPr marL="1828800" algn="l" defTabSz="914400" rtl="0" eaLnBrk="1" latinLnBrk="0" hangingPunct="1">
+    <a:lvl5pPr marL="1828800" algn="l" defTabSz="457200" rtl="0" eaLnBrk="1" latinLnBrk="0" hangingPunct="1">
       <a:defRPr sz="1800" kern="1200">
         <a:solidFill>
           <a:schemeClr val="tx1"/>
@@ -63,7 +63,7 @@
         <a:cs typeface="+mn-cs"/>
       </a:defRPr>
     </a:lvl5pPr>
-    <a:lvl6pPr marL="2286000" algn="l" defTabSz="914400" rtl="0" eaLnBrk="1" latinLnBrk="0" hangingPunct="1">
+    <a:lvl6pPr marL="2286000" algn="l" defTabSz="457200" rtl="0" eaLnBrk="1" latinLnBrk="0" hangingPunct="1">
       <a:defRPr sz="1800" kern="1200">
         <a:solidFill>
           <a:schemeClr val="tx1"/>
@@ -73,7 +73,7 @@
         <a:cs typeface="+mn-cs"/>
       </a:defRPr>
     </a:lvl6pPr>
-    <a:lvl7pPr marL="2743200" algn="l" defTabSz="914400" rtl="0" eaLnBrk="1" latinLnBrk="0" hangingPunct="1">
+    <a:lvl7pPr marL="2743200" algn="l" defTabSz="457200" rtl="0" eaLnBrk="1" latinLnBrk="0" hangingPunct="1">
       <a:defRPr sz="1800" kern="1200">
         <a:solidFill>
           <a:schemeClr val="tx1"/>
@@ -83,7 +83,7 @@
         <a:cs typeface="+mn-cs"/>
       </a:defRPr>
     </a:lvl7pPr>
-    <a:lvl8pPr marL="3200400" algn="l" defTabSz="914400" rtl="0" eaLnBrk="1" latinLnBrk="0" hangingPunct="1">
+    <a:lvl8pPr marL="3200400" algn="l" defTabSz="457200" rtl="0" eaLnBrk="1" latinLnBrk="0" hangingPunct="1">
       <a:defRPr sz="1800" kern="1200">
         <a:solidFill>
           <a:schemeClr val="tx1"/>
@@ -93,7 +93,7 @@
         <a:cs typeface="+mn-cs"/>
       </a:defRPr>
     </a:lvl8pPr>
-    <a:lvl9pPr marL="3657600" algn="l" defTabSz="914400" rtl="0" eaLnBrk="1" latinLnBrk="0" hangingPunct="1">
+    <a:lvl9pPr marL="3657600" algn="l" defTabSz="457200" rtl="0" eaLnBrk="1" latinLnBrk="0" hangingPunct="1">
       <a:defRPr sz="1800" kern="1200">
         <a:solidFill>
           <a:schemeClr val="tx1"/>
@@ -104,6 +104,11 @@
       </a:defRPr>
     </a:lvl9pPr>
   </p:defaultTextStyle>
+  <p:extLst>
+    <p:ext uri="{EFAFB233-063F-42B5-8137-9DF3F51BA10A}">
+      <p15:sldGuideLst xmlns:p15="http://schemas.microsoft.com/office/powerpoint/2012/main"/>
+    </p:ext>
+  </p:extLst>
 </p:presentation>
 </file>
 
@@ -126,13 +131,7 @@
       </p:grpSpPr>
       <p:sp>
         <p:nvSpPr>
-          <p:cNvPr id="2" name="Title 1">
-            <a:extLst>
-              <a:ext uri="{FF2B5EF4-FFF2-40B4-BE49-F238E27FC236}">
-                <a16:creationId xmlns:a16="http://schemas.microsoft.com/office/drawing/2014/main" id="{08E61028-9C85-EE53-E5AD-C7C8089FE1D3}"/>
-              </a:ext>
-            </a:extLst>
-          </p:cNvPr>
+          <p:cNvPr id="2" name="Title 1"/>
           <p:cNvSpPr>
             <a:spLocks noGrp="1"/>
           </p:cNvSpPr>
@@ -158,19 +157,13 @@
               <a:rPr lang="en-GB"/>
               <a:t>Click to edit Master title style</a:t>
             </a:r>
-            <a:endParaRPr lang="en-US"/>
-          </a:p>
-        </p:txBody>
-      </p:sp>
-      <p:sp>
-        <p:nvSpPr>
-          <p:cNvPr id="3" name="Subtitle 2">
-            <a:extLst>
-              <a:ext uri="{FF2B5EF4-FFF2-40B4-BE49-F238E27FC236}">
-                <a16:creationId xmlns:a16="http://schemas.microsoft.com/office/drawing/2014/main" id="{87E97F08-95DB-540F-4A29-53185AAC0315}"/>
-              </a:ext>
-            </a:extLst>
-          </p:cNvPr>
+            <a:endParaRPr lang="en-US" dirty="0"/>
+          </a:p>
+        </p:txBody>
+      </p:sp>
+      <p:sp>
+        <p:nvSpPr>
+          <p:cNvPr id="3" name="Subtitle 2"/>
           <p:cNvSpPr>
             <a:spLocks noGrp="1"/>
           </p:cNvSpPr>
@@ -229,19 +222,13 @@
               <a:rPr lang="en-GB"/>
               <a:t>Click to edit Master subtitle style</a:t>
             </a:r>
-            <a:endParaRPr lang="en-US"/>
-          </a:p>
-        </p:txBody>
-      </p:sp>
-      <p:sp>
-        <p:nvSpPr>
-          <p:cNvPr id="4" name="Date Placeholder 3">
-            <a:extLst>
-              <a:ext uri="{FF2B5EF4-FFF2-40B4-BE49-F238E27FC236}">
-                <a16:creationId xmlns:a16="http://schemas.microsoft.com/office/drawing/2014/main" id="{4A283BEC-6AA1-038C-F1C4-AB1ACB13CC06}"/>
-              </a:ext>
-            </a:extLst>
-          </p:cNvPr>
+            <a:endParaRPr lang="en-US" dirty="0"/>
+          </a:p>
+        </p:txBody>
+      </p:sp>
+      <p:sp>
+        <p:nvSpPr>
+          <p:cNvPr id="4" name="Date Placeholder 3"/>
           <p:cNvSpPr>
             <a:spLocks noGrp="1"/>
           </p:cNvSpPr>
@@ -256,7 +243,7 @@
           <a:p>
             <a:fld id="{FA5B3755-7C7B-754F-ACC2-E7D238751182}" type="datetimeFigureOut">
               <a:rPr lang="en-US" smtClean="0"/>
-              <a:t>5/29/25</a:t>
+              <a:t>8/27/25</a:t>
             </a:fld>
             <a:endParaRPr lang="en-US"/>
           </a:p>
@@ -264,13 +251,7 @@
       </p:sp>
       <p:sp>
         <p:nvSpPr>
-          <p:cNvPr id="5" name="Footer Placeholder 4">
-            <a:extLst>
-              <a:ext uri="{FF2B5EF4-FFF2-40B4-BE49-F238E27FC236}">
-                <a16:creationId xmlns:a16="http://schemas.microsoft.com/office/drawing/2014/main" id="{76E23970-BF76-39CE-2464-42B1090582B1}"/>
-              </a:ext>
-            </a:extLst>
-          </p:cNvPr>
+          <p:cNvPr id="5" name="Footer Placeholder 4"/>
           <p:cNvSpPr>
             <a:spLocks noGrp="1"/>
           </p:cNvSpPr>
@@ -289,13 +270,7 @@
       </p:sp>
       <p:sp>
         <p:nvSpPr>
-          <p:cNvPr id="6" name="Slide Number Placeholder 5">
-            <a:extLst>
-              <a:ext uri="{FF2B5EF4-FFF2-40B4-BE49-F238E27FC236}">
-                <a16:creationId xmlns:a16="http://schemas.microsoft.com/office/drawing/2014/main" id="{096601A5-9F30-3F85-0C9F-3173010BCCBF}"/>
-              </a:ext>
-            </a:extLst>
-          </p:cNvPr>
+          <p:cNvPr id="6" name="Slide Number Placeholder 5"/>
           <p:cNvSpPr>
             <a:spLocks noGrp="1"/>
           </p:cNvSpPr>
@@ -319,7 +294,7 @@
     </p:spTree>
     <p:extLst>
       <p:ext uri="{BB962C8B-B14F-4D97-AF65-F5344CB8AC3E}">
-        <p14:creationId xmlns:p14="http://schemas.microsoft.com/office/powerpoint/2010/main" val="2620249846"/>
+        <p14:creationId xmlns:p14="http://schemas.microsoft.com/office/powerpoint/2010/main" val="2797739271"/>
       </p:ext>
     </p:extLst>
   </p:cSld>
@@ -348,13 +323,7 @@
       </p:grpSpPr>
       <p:sp>
         <p:nvSpPr>
-          <p:cNvPr id="2" name="Title 1">
-            <a:extLst>
-              <a:ext uri="{FF2B5EF4-FFF2-40B4-BE49-F238E27FC236}">
-                <a16:creationId xmlns:a16="http://schemas.microsoft.com/office/drawing/2014/main" id="{B6BBB6BD-A8AF-F378-EA89-71940C621BBB}"/>
-              </a:ext>
-            </a:extLst>
-          </p:cNvPr>
+          <p:cNvPr id="2" name="Title 1"/>
           <p:cNvSpPr>
             <a:spLocks noGrp="1"/>
           </p:cNvSpPr>
@@ -371,19 +340,13 @@
               <a:rPr lang="en-GB"/>
               <a:t>Click to edit Master title style</a:t>
             </a:r>
-            <a:endParaRPr lang="en-US"/>
-          </a:p>
-        </p:txBody>
-      </p:sp>
-      <p:sp>
-        <p:nvSpPr>
-          <p:cNvPr id="3" name="Vertical Text Placeholder 2">
-            <a:extLst>
-              <a:ext uri="{FF2B5EF4-FFF2-40B4-BE49-F238E27FC236}">
-                <a16:creationId xmlns:a16="http://schemas.microsoft.com/office/drawing/2014/main" id="{ADBB6231-AD98-C9D1-CF67-B17F43D8EF45}"/>
-              </a:ext>
-            </a:extLst>
-          </p:cNvPr>
+            <a:endParaRPr lang="en-US" dirty="0"/>
+          </a:p>
+        </p:txBody>
+      </p:sp>
+      <p:sp>
+        <p:nvSpPr>
+          <p:cNvPr id="3" name="Vertical Text Placeholder 2"/>
           <p:cNvSpPr>
             <a:spLocks noGrp="1"/>
           </p:cNvSpPr>
@@ -429,19 +392,13 @@
               <a:rPr lang="en-GB"/>
               <a:t>Fifth level</a:t>
             </a:r>
-            <a:endParaRPr lang="en-US"/>
-          </a:p>
-        </p:txBody>
-      </p:sp>
-      <p:sp>
-        <p:nvSpPr>
-          <p:cNvPr id="4" name="Date Placeholder 3">
-            <a:extLst>
-              <a:ext uri="{FF2B5EF4-FFF2-40B4-BE49-F238E27FC236}">
-                <a16:creationId xmlns:a16="http://schemas.microsoft.com/office/drawing/2014/main" id="{EBD3A28D-31C8-B255-1923-5BAB0FC69C4E}"/>
-              </a:ext>
-            </a:extLst>
-          </p:cNvPr>
+            <a:endParaRPr lang="en-US" dirty="0"/>
+          </a:p>
+        </p:txBody>
+      </p:sp>
+      <p:sp>
+        <p:nvSpPr>
+          <p:cNvPr id="4" name="Date Placeholder 3"/>
           <p:cNvSpPr>
             <a:spLocks noGrp="1"/>
           </p:cNvSpPr>
@@ -456,7 +413,7 @@
           <a:p>
             <a:fld id="{FA5B3755-7C7B-754F-ACC2-E7D238751182}" type="datetimeFigureOut">
               <a:rPr lang="en-US" smtClean="0"/>
-              <a:t>5/29/25</a:t>
+              <a:t>8/27/25</a:t>
             </a:fld>
             <a:endParaRPr lang="en-US"/>
           </a:p>
@@ -464,13 +421,7 @@
       </p:sp>
       <p:sp>
         <p:nvSpPr>
-          <p:cNvPr id="5" name="Footer Placeholder 4">
-            <a:extLst>
-              <a:ext uri="{FF2B5EF4-FFF2-40B4-BE49-F238E27FC236}">
-                <a16:creationId xmlns:a16="http://schemas.microsoft.com/office/drawing/2014/main" id="{845389CA-FE02-7555-3C51-69DAE997569E}"/>
-              </a:ext>
-            </a:extLst>
-          </p:cNvPr>
+          <p:cNvPr id="5" name="Footer Placeholder 4"/>
           <p:cNvSpPr>
             <a:spLocks noGrp="1"/>
           </p:cNvSpPr>
@@ -489,13 +440,7 @@
       </p:sp>
       <p:sp>
         <p:nvSpPr>
-          <p:cNvPr id="6" name="Slide Number Placeholder 5">
-            <a:extLst>
-              <a:ext uri="{FF2B5EF4-FFF2-40B4-BE49-F238E27FC236}">
-                <a16:creationId xmlns:a16="http://schemas.microsoft.com/office/drawing/2014/main" id="{12A83632-CD6C-2EDC-E055-AA8E832E76B5}"/>
-              </a:ext>
-            </a:extLst>
-          </p:cNvPr>
+          <p:cNvPr id="6" name="Slide Number Placeholder 5"/>
           <p:cNvSpPr>
             <a:spLocks noGrp="1"/>
           </p:cNvSpPr>
@@ -519,7 +464,7 @@
     </p:spTree>
     <p:extLst>
       <p:ext uri="{BB962C8B-B14F-4D97-AF65-F5344CB8AC3E}">
-        <p14:creationId xmlns:p14="http://schemas.microsoft.com/office/powerpoint/2010/main" val="2623404589"/>
+        <p14:creationId xmlns:p14="http://schemas.microsoft.com/office/powerpoint/2010/main" val="1627900907"/>
       </p:ext>
     </p:extLst>
   </p:cSld>
@@ -548,13 +493,7 @@
       </p:grpSpPr>
       <p:sp>
         <p:nvSpPr>
-          <p:cNvPr id="2" name="Vertical Title 1">
-            <a:extLst>
-              <a:ext uri="{FF2B5EF4-FFF2-40B4-BE49-F238E27FC236}">
-                <a16:creationId xmlns:a16="http://schemas.microsoft.com/office/drawing/2014/main" id="{D56BDB0D-53BC-36C2-F9D7-E357A2A1DA6C}"/>
-              </a:ext>
-            </a:extLst>
-          </p:cNvPr>
+          <p:cNvPr id="2" name="Vertical Title 1"/>
           <p:cNvSpPr>
             <a:spLocks noGrp="1"/>
           </p:cNvSpPr>
@@ -576,19 +515,13 @@
               <a:rPr lang="en-GB"/>
               <a:t>Click to edit Master title style</a:t>
             </a:r>
-            <a:endParaRPr lang="en-US"/>
-          </a:p>
-        </p:txBody>
-      </p:sp>
-      <p:sp>
-        <p:nvSpPr>
-          <p:cNvPr id="3" name="Vertical Text Placeholder 2">
-            <a:extLst>
-              <a:ext uri="{FF2B5EF4-FFF2-40B4-BE49-F238E27FC236}">
-                <a16:creationId xmlns:a16="http://schemas.microsoft.com/office/drawing/2014/main" id="{290B830F-B363-FFA4-64F4-7D507160868B}"/>
-              </a:ext>
-            </a:extLst>
-          </p:cNvPr>
+            <a:endParaRPr lang="en-US" dirty="0"/>
+          </a:p>
+        </p:txBody>
+      </p:sp>
+      <p:sp>
+        <p:nvSpPr>
+          <p:cNvPr id="3" name="Vertical Text Placeholder 2"/>
           <p:cNvSpPr>
             <a:spLocks noGrp="1"/>
           </p:cNvSpPr>
@@ -639,19 +572,13 @@
               <a:rPr lang="en-GB"/>
               <a:t>Fifth level</a:t>
             </a:r>
-            <a:endParaRPr lang="en-US"/>
-          </a:p>
-        </p:txBody>
-      </p:sp>
-      <p:sp>
-        <p:nvSpPr>
-          <p:cNvPr id="4" name="Date Placeholder 3">
-            <a:extLst>
-              <a:ext uri="{FF2B5EF4-FFF2-40B4-BE49-F238E27FC236}">
-                <a16:creationId xmlns:a16="http://schemas.microsoft.com/office/drawing/2014/main" id="{B6BF43E7-1772-CF2E-72AD-DF7ECAC979FC}"/>
-              </a:ext>
-            </a:extLst>
-          </p:cNvPr>
+            <a:endParaRPr lang="en-US" dirty="0"/>
+          </a:p>
+        </p:txBody>
+      </p:sp>
+      <p:sp>
+        <p:nvSpPr>
+          <p:cNvPr id="4" name="Date Placeholder 3"/>
           <p:cNvSpPr>
             <a:spLocks noGrp="1"/>
           </p:cNvSpPr>
@@ -666,7 +593,7 @@
           <a:p>
             <a:fld id="{FA5B3755-7C7B-754F-ACC2-E7D238751182}" type="datetimeFigureOut">
               <a:rPr lang="en-US" smtClean="0"/>
-              <a:t>5/29/25</a:t>
+              <a:t>8/27/25</a:t>
             </a:fld>
             <a:endParaRPr lang="en-US"/>
           </a:p>
@@ -674,13 +601,7 @@
       </p:sp>
       <p:sp>
         <p:nvSpPr>
-          <p:cNvPr id="5" name="Footer Placeholder 4">
-            <a:extLst>
-              <a:ext uri="{FF2B5EF4-FFF2-40B4-BE49-F238E27FC236}">
-                <a16:creationId xmlns:a16="http://schemas.microsoft.com/office/drawing/2014/main" id="{1C02CD47-DDD4-F013-4AE3-DAEB0EFC7DF1}"/>
-              </a:ext>
-            </a:extLst>
-          </p:cNvPr>
+          <p:cNvPr id="5" name="Footer Placeholder 4"/>
           <p:cNvSpPr>
             <a:spLocks noGrp="1"/>
           </p:cNvSpPr>
@@ -699,13 +620,7 @@
       </p:sp>
       <p:sp>
         <p:nvSpPr>
-          <p:cNvPr id="6" name="Slide Number Placeholder 5">
-            <a:extLst>
-              <a:ext uri="{FF2B5EF4-FFF2-40B4-BE49-F238E27FC236}">
-                <a16:creationId xmlns:a16="http://schemas.microsoft.com/office/drawing/2014/main" id="{9FDD104C-87C5-CC60-930A-DBA33332B810}"/>
-              </a:ext>
-            </a:extLst>
-          </p:cNvPr>
+          <p:cNvPr id="6" name="Slide Number Placeholder 5"/>
           <p:cNvSpPr>
             <a:spLocks noGrp="1"/>
           </p:cNvSpPr>
@@ -729,7 +644,7 @@
     </p:spTree>
     <p:extLst>
       <p:ext uri="{BB962C8B-B14F-4D97-AF65-F5344CB8AC3E}">
-        <p14:creationId xmlns:p14="http://schemas.microsoft.com/office/powerpoint/2010/main" val="2929043457"/>
+        <p14:creationId xmlns:p14="http://schemas.microsoft.com/office/powerpoint/2010/main" val="3343317951"/>
       </p:ext>
     </p:extLst>
   </p:cSld>
@@ -758,13 +673,7 @@
       </p:grpSpPr>
       <p:sp>
         <p:nvSpPr>
-          <p:cNvPr id="2" name="Title 1">
-            <a:extLst>
-              <a:ext uri="{FF2B5EF4-FFF2-40B4-BE49-F238E27FC236}">
-                <a16:creationId xmlns:a16="http://schemas.microsoft.com/office/drawing/2014/main" id="{03DF27D4-64FC-4082-6E07-52509DBB2827}"/>
-              </a:ext>
-            </a:extLst>
-          </p:cNvPr>
+          <p:cNvPr id="2" name="Title 1"/>
           <p:cNvSpPr>
             <a:spLocks noGrp="1"/>
           </p:cNvSpPr>
@@ -781,19 +690,13 @@
               <a:rPr lang="en-GB"/>
               <a:t>Click to edit Master title style</a:t>
             </a:r>
-            <a:endParaRPr lang="en-US"/>
-          </a:p>
-        </p:txBody>
-      </p:sp>
-      <p:sp>
-        <p:nvSpPr>
-          <p:cNvPr id="3" name="Content Placeholder 2">
-            <a:extLst>
-              <a:ext uri="{FF2B5EF4-FFF2-40B4-BE49-F238E27FC236}">
-                <a16:creationId xmlns:a16="http://schemas.microsoft.com/office/drawing/2014/main" id="{FC63DAE2-3489-2E9F-DC01-2EA2CDD698CC}"/>
-              </a:ext>
-            </a:extLst>
-          </p:cNvPr>
+            <a:endParaRPr lang="en-US" dirty="0"/>
+          </a:p>
+        </p:txBody>
+      </p:sp>
+      <p:sp>
+        <p:nvSpPr>
+          <p:cNvPr id="3" name="Content Placeholder 2"/>
           <p:cNvSpPr>
             <a:spLocks noGrp="1"/>
           </p:cNvSpPr>
@@ -839,19 +742,13 @@
               <a:rPr lang="en-GB"/>
               <a:t>Fifth level</a:t>
             </a:r>
-            <a:endParaRPr lang="en-US"/>
-          </a:p>
-        </p:txBody>
-      </p:sp>
-      <p:sp>
-        <p:nvSpPr>
-          <p:cNvPr id="4" name="Date Placeholder 3">
-            <a:extLst>
-              <a:ext uri="{FF2B5EF4-FFF2-40B4-BE49-F238E27FC236}">
-                <a16:creationId xmlns:a16="http://schemas.microsoft.com/office/drawing/2014/main" id="{78C7D369-5B85-DC23-F4D4-33C7B505C79A}"/>
-              </a:ext>
-            </a:extLst>
-          </p:cNvPr>
+            <a:endParaRPr lang="en-US" dirty="0"/>
+          </a:p>
+        </p:txBody>
+      </p:sp>
+      <p:sp>
+        <p:nvSpPr>
+          <p:cNvPr id="4" name="Date Placeholder 3"/>
           <p:cNvSpPr>
             <a:spLocks noGrp="1"/>
           </p:cNvSpPr>
@@ -866,7 +763,7 @@
           <a:p>
             <a:fld id="{FA5B3755-7C7B-754F-ACC2-E7D238751182}" type="datetimeFigureOut">
               <a:rPr lang="en-US" smtClean="0"/>
-              <a:t>5/29/25</a:t>
+              <a:t>8/27/25</a:t>
             </a:fld>
             <a:endParaRPr lang="en-US"/>
           </a:p>
@@ -874,13 +771,7 @@
       </p:sp>
       <p:sp>
         <p:nvSpPr>
-          <p:cNvPr id="5" name="Footer Placeholder 4">
-            <a:extLst>
-              <a:ext uri="{FF2B5EF4-FFF2-40B4-BE49-F238E27FC236}">
-                <a16:creationId xmlns:a16="http://schemas.microsoft.com/office/drawing/2014/main" id="{83E3F606-12A1-214A-06C6-0721DD1408B3}"/>
-              </a:ext>
-            </a:extLst>
-          </p:cNvPr>
+          <p:cNvPr id="5" name="Footer Placeholder 4"/>
           <p:cNvSpPr>
             <a:spLocks noGrp="1"/>
           </p:cNvSpPr>
@@ -899,13 +790,7 @@
       </p:sp>
       <p:sp>
         <p:nvSpPr>
-          <p:cNvPr id="6" name="Slide Number Placeholder 5">
-            <a:extLst>
-              <a:ext uri="{FF2B5EF4-FFF2-40B4-BE49-F238E27FC236}">
-                <a16:creationId xmlns:a16="http://schemas.microsoft.com/office/drawing/2014/main" id="{6038546A-94D8-5E1B-479E-DAB04D0CB725}"/>
-              </a:ext>
-            </a:extLst>
-          </p:cNvPr>
+          <p:cNvPr id="6" name="Slide Number Placeholder 5"/>
           <p:cNvSpPr>
             <a:spLocks noGrp="1"/>
           </p:cNvSpPr>
@@ -929,7 +814,7 @@
     </p:spTree>
     <p:extLst>
       <p:ext uri="{BB962C8B-B14F-4D97-AF65-F5344CB8AC3E}">
-        <p14:creationId xmlns:p14="http://schemas.microsoft.com/office/powerpoint/2010/main" val="2510995531"/>
+        <p14:creationId xmlns:p14="http://schemas.microsoft.com/office/powerpoint/2010/main" val="2412870510"/>
       </p:ext>
     </p:extLst>
   </p:cSld>
@@ -958,13 +843,7 @@
       </p:grpSpPr>
       <p:sp>
         <p:nvSpPr>
-          <p:cNvPr id="2" name="Title 1">
-            <a:extLst>
-              <a:ext uri="{FF2B5EF4-FFF2-40B4-BE49-F238E27FC236}">
-                <a16:creationId xmlns:a16="http://schemas.microsoft.com/office/drawing/2014/main" id="{27B444CC-2FE5-70E1-62E0-57F214CA0FFD}"/>
-              </a:ext>
-            </a:extLst>
-          </p:cNvPr>
+          <p:cNvPr id="2" name="Title 1"/>
           <p:cNvSpPr>
             <a:spLocks noGrp="1"/>
           </p:cNvSpPr>
@@ -990,19 +869,13 @@
               <a:rPr lang="en-GB"/>
               <a:t>Click to edit Master title style</a:t>
             </a:r>
-            <a:endParaRPr lang="en-US"/>
-          </a:p>
-        </p:txBody>
-      </p:sp>
-      <p:sp>
-        <p:nvSpPr>
-          <p:cNvPr id="3" name="Text Placeholder 2">
-            <a:extLst>
-              <a:ext uri="{FF2B5EF4-FFF2-40B4-BE49-F238E27FC236}">
-                <a16:creationId xmlns:a16="http://schemas.microsoft.com/office/drawing/2014/main" id="{5438726B-E649-6DB4-FEC5-6B952A1F9B22}"/>
-              </a:ext>
-            </a:extLst>
-          </p:cNvPr>
+            <a:endParaRPr lang="en-US" dirty="0"/>
+          </a:p>
+        </p:txBody>
+      </p:sp>
+      <p:sp>
+        <p:nvSpPr>
+          <p:cNvPr id="3" name="Text Placeholder 2"/>
           <p:cNvSpPr>
             <a:spLocks noGrp="1"/>
           </p:cNvSpPr>
@@ -1121,13 +994,7 @@
       </p:sp>
       <p:sp>
         <p:nvSpPr>
-          <p:cNvPr id="4" name="Date Placeholder 3">
-            <a:extLst>
-              <a:ext uri="{FF2B5EF4-FFF2-40B4-BE49-F238E27FC236}">
-                <a16:creationId xmlns:a16="http://schemas.microsoft.com/office/drawing/2014/main" id="{D462A97F-2288-62E7-003F-F7673643939B}"/>
-              </a:ext>
-            </a:extLst>
-          </p:cNvPr>
+          <p:cNvPr id="4" name="Date Placeholder 3"/>
           <p:cNvSpPr>
             <a:spLocks noGrp="1"/>
           </p:cNvSpPr>
@@ -1142,7 +1009,7 @@
           <a:p>
             <a:fld id="{FA5B3755-7C7B-754F-ACC2-E7D238751182}" type="datetimeFigureOut">
               <a:rPr lang="en-US" smtClean="0"/>
-              <a:t>5/29/25</a:t>
+              <a:t>8/27/25</a:t>
             </a:fld>
             <a:endParaRPr lang="en-US"/>
           </a:p>
@@ -1150,13 +1017,7 @@
       </p:sp>
       <p:sp>
         <p:nvSpPr>
-          <p:cNvPr id="5" name="Footer Placeholder 4">
-            <a:extLst>
-              <a:ext uri="{FF2B5EF4-FFF2-40B4-BE49-F238E27FC236}">
-                <a16:creationId xmlns:a16="http://schemas.microsoft.com/office/drawing/2014/main" id="{8CB5CFFF-9D6F-5B61-E5B2-5579CEAF1A8D}"/>
-              </a:ext>
-            </a:extLst>
-          </p:cNvPr>
+          <p:cNvPr id="5" name="Footer Placeholder 4"/>
           <p:cNvSpPr>
             <a:spLocks noGrp="1"/>
           </p:cNvSpPr>
@@ -1175,13 +1036,7 @@
       </p:sp>
       <p:sp>
         <p:nvSpPr>
-          <p:cNvPr id="6" name="Slide Number Placeholder 5">
-            <a:extLst>
-              <a:ext uri="{FF2B5EF4-FFF2-40B4-BE49-F238E27FC236}">
-                <a16:creationId xmlns:a16="http://schemas.microsoft.com/office/drawing/2014/main" id="{CA6B88CB-FF09-822F-667F-E69A889D1520}"/>
-              </a:ext>
-            </a:extLst>
-          </p:cNvPr>
+          <p:cNvPr id="6" name="Slide Number Placeholder 5"/>
           <p:cNvSpPr>
             <a:spLocks noGrp="1"/>
           </p:cNvSpPr>
@@ -1205,7 +1060,7 @@
     </p:spTree>
     <p:extLst>
       <p:ext uri="{BB962C8B-B14F-4D97-AF65-F5344CB8AC3E}">
-        <p14:creationId xmlns:p14="http://schemas.microsoft.com/office/powerpoint/2010/main" val="8203942"/>
+        <p14:creationId xmlns:p14="http://schemas.microsoft.com/office/powerpoint/2010/main" val="2174763628"/>
       </p:ext>
     </p:extLst>
   </p:cSld>
@@ -1234,13 +1089,7 @@
       </p:grpSpPr>
       <p:sp>
         <p:nvSpPr>
-          <p:cNvPr id="2" name="Title 1">
-            <a:extLst>
-              <a:ext uri="{FF2B5EF4-FFF2-40B4-BE49-F238E27FC236}">
-                <a16:creationId xmlns:a16="http://schemas.microsoft.com/office/drawing/2014/main" id="{E1F18ACC-990F-403D-7A38-E9A95454C7AE}"/>
-              </a:ext>
-            </a:extLst>
-          </p:cNvPr>
+          <p:cNvPr id="2" name="Title 1"/>
           <p:cNvSpPr>
             <a:spLocks noGrp="1"/>
           </p:cNvSpPr>
@@ -1257,19 +1106,13 @@
               <a:rPr lang="en-GB"/>
               <a:t>Click to edit Master title style</a:t>
             </a:r>
-            <a:endParaRPr lang="en-US"/>
-          </a:p>
-        </p:txBody>
-      </p:sp>
-      <p:sp>
-        <p:nvSpPr>
-          <p:cNvPr id="3" name="Content Placeholder 2">
-            <a:extLst>
-              <a:ext uri="{FF2B5EF4-FFF2-40B4-BE49-F238E27FC236}">
-                <a16:creationId xmlns:a16="http://schemas.microsoft.com/office/drawing/2014/main" id="{A7912F64-0877-D525-2413-E19DDE9675E5}"/>
-              </a:ext>
-            </a:extLst>
-          </p:cNvPr>
+            <a:endParaRPr lang="en-US" dirty="0"/>
+          </a:p>
+        </p:txBody>
+      </p:sp>
+      <p:sp>
+        <p:nvSpPr>
+          <p:cNvPr id="3" name="Content Placeholder 2"/>
           <p:cNvSpPr>
             <a:spLocks noGrp="1"/>
           </p:cNvSpPr>
@@ -1320,19 +1163,13 @@
               <a:rPr lang="en-GB"/>
               <a:t>Fifth level</a:t>
             </a:r>
-            <a:endParaRPr lang="en-US"/>
-          </a:p>
-        </p:txBody>
-      </p:sp>
-      <p:sp>
-        <p:nvSpPr>
-          <p:cNvPr id="4" name="Content Placeholder 3">
-            <a:extLst>
-              <a:ext uri="{FF2B5EF4-FFF2-40B4-BE49-F238E27FC236}">
-                <a16:creationId xmlns:a16="http://schemas.microsoft.com/office/drawing/2014/main" id="{046F67D0-0219-877E-FF32-85EA1CFE943B}"/>
-              </a:ext>
-            </a:extLst>
-          </p:cNvPr>
+            <a:endParaRPr lang="en-US" dirty="0"/>
+          </a:p>
+        </p:txBody>
+      </p:sp>
+      <p:sp>
+        <p:nvSpPr>
+          <p:cNvPr id="4" name="Content Placeholder 3"/>
           <p:cNvSpPr>
             <a:spLocks noGrp="1"/>
           </p:cNvSpPr>
@@ -1383,19 +1220,13 @@
               <a:rPr lang="en-GB"/>
               <a:t>Fifth level</a:t>
             </a:r>
-            <a:endParaRPr lang="en-US"/>
-          </a:p>
-        </p:txBody>
-      </p:sp>
-      <p:sp>
-        <p:nvSpPr>
-          <p:cNvPr id="5" name="Date Placeholder 4">
-            <a:extLst>
-              <a:ext uri="{FF2B5EF4-FFF2-40B4-BE49-F238E27FC236}">
-                <a16:creationId xmlns:a16="http://schemas.microsoft.com/office/drawing/2014/main" id="{AFABA85E-FEE5-C0C2-081A-7856AFBB935C}"/>
-              </a:ext>
-            </a:extLst>
-          </p:cNvPr>
+            <a:endParaRPr lang="en-US" dirty="0"/>
+          </a:p>
+        </p:txBody>
+      </p:sp>
+      <p:sp>
+        <p:nvSpPr>
+          <p:cNvPr id="5" name="Date Placeholder 4"/>
           <p:cNvSpPr>
             <a:spLocks noGrp="1"/>
           </p:cNvSpPr>
@@ -1410,7 +1241,7 @@
           <a:p>
             <a:fld id="{FA5B3755-7C7B-754F-ACC2-E7D238751182}" type="datetimeFigureOut">
               <a:rPr lang="en-US" smtClean="0"/>
-              <a:t>5/29/25</a:t>
+              <a:t>8/27/25</a:t>
             </a:fld>
             <a:endParaRPr lang="en-US"/>
           </a:p>
@@ -1418,13 +1249,7 @@
       </p:sp>
       <p:sp>
         <p:nvSpPr>
-          <p:cNvPr id="6" name="Footer Placeholder 5">
-            <a:extLst>
-              <a:ext uri="{FF2B5EF4-FFF2-40B4-BE49-F238E27FC236}">
-                <a16:creationId xmlns:a16="http://schemas.microsoft.com/office/drawing/2014/main" id="{B52F81E7-B80A-61C1-1192-A2B568AF6153}"/>
-              </a:ext>
-            </a:extLst>
-          </p:cNvPr>
+          <p:cNvPr id="6" name="Footer Placeholder 5"/>
           <p:cNvSpPr>
             <a:spLocks noGrp="1"/>
           </p:cNvSpPr>
@@ -1443,13 +1268,7 @@
       </p:sp>
       <p:sp>
         <p:nvSpPr>
-          <p:cNvPr id="7" name="Slide Number Placeholder 6">
-            <a:extLst>
-              <a:ext uri="{FF2B5EF4-FFF2-40B4-BE49-F238E27FC236}">
-                <a16:creationId xmlns:a16="http://schemas.microsoft.com/office/drawing/2014/main" id="{7F01A026-1447-21D4-2F79-6BD51DEE62A8}"/>
-              </a:ext>
-            </a:extLst>
-          </p:cNvPr>
+          <p:cNvPr id="7" name="Slide Number Placeholder 6"/>
           <p:cNvSpPr>
             <a:spLocks noGrp="1"/>
           </p:cNvSpPr>
@@ -1473,7 +1292,7 @@
     </p:spTree>
     <p:extLst>
       <p:ext uri="{BB962C8B-B14F-4D97-AF65-F5344CB8AC3E}">
-        <p14:creationId xmlns:p14="http://schemas.microsoft.com/office/powerpoint/2010/main" val="4176732213"/>
+        <p14:creationId xmlns:p14="http://schemas.microsoft.com/office/powerpoint/2010/main" val="805731094"/>
       </p:ext>
     </p:extLst>
   </p:cSld>
@@ -1502,13 +1321,7 @@
       </p:grpSpPr>
       <p:sp>
         <p:nvSpPr>
-          <p:cNvPr id="2" name="Title 1">
-            <a:extLst>
-              <a:ext uri="{FF2B5EF4-FFF2-40B4-BE49-F238E27FC236}">
-                <a16:creationId xmlns:a16="http://schemas.microsoft.com/office/drawing/2014/main" id="{40C7501A-2A7E-FF0E-42C1-3071953E3DFA}"/>
-              </a:ext>
-            </a:extLst>
-          </p:cNvPr>
+          <p:cNvPr id="2" name="Title 1"/>
           <p:cNvSpPr>
             <a:spLocks noGrp="1"/>
           </p:cNvSpPr>
@@ -1530,19 +1343,13 @@
               <a:rPr lang="en-GB"/>
               <a:t>Click to edit Master title style</a:t>
             </a:r>
-            <a:endParaRPr lang="en-US"/>
-          </a:p>
-        </p:txBody>
-      </p:sp>
-      <p:sp>
-        <p:nvSpPr>
-          <p:cNvPr id="3" name="Text Placeholder 2">
-            <a:extLst>
-              <a:ext uri="{FF2B5EF4-FFF2-40B4-BE49-F238E27FC236}">
-                <a16:creationId xmlns:a16="http://schemas.microsoft.com/office/drawing/2014/main" id="{336A328A-1DD9-0188-732A-1A23E706F1A1}"/>
-              </a:ext>
-            </a:extLst>
-          </p:cNvPr>
+            <a:endParaRPr lang="en-US" dirty="0"/>
+          </a:p>
+        </p:txBody>
+      </p:sp>
+      <p:sp>
+        <p:nvSpPr>
+          <p:cNvPr id="3" name="Text Placeholder 2"/>
           <p:cNvSpPr>
             <a:spLocks noGrp="1"/>
           </p:cNvSpPr>
@@ -1607,13 +1414,7 @@
       </p:sp>
       <p:sp>
         <p:nvSpPr>
-          <p:cNvPr id="4" name="Content Placeholder 3">
-            <a:extLst>
-              <a:ext uri="{FF2B5EF4-FFF2-40B4-BE49-F238E27FC236}">
-                <a16:creationId xmlns:a16="http://schemas.microsoft.com/office/drawing/2014/main" id="{BD3F5D4B-9E93-361D-3C66-89B7EEB200AE}"/>
-              </a:ext>
-            </a:extLst>
-          </p:cNvPr>
+          <p:cNvPr id="4" name="Content Placeholder 3"/>
           <p:cNvSpPr>
             <a:spLocks noGrp="1"/>
           </p:cNvSpPr>
@@ -1664,19 +1465,13 @@
               <a:rPr lang="en-GB"/>
               <a:t>Fifth level</a:t>
             </a:r>
-            <a:endParaRPr lang="en-US"/>
-          </a:p>
-        </p:txBody>
-      </p:sp>
-      <p:sp>
-        <p:nvSpPr>
-          <p:cNvPr id="5" name="Text Placeholder 4">
-            <a:extLst>
-              <a:ext uri="{FF2B5EF4-FFF2-40B4-BE49-F238E27FC236}">
-                <a16:creationId xmlns:a16="http://schemas.microsoft.com/office/drawing/2014/main" id="{04583A9C-6820-ED89-36AC-BDE2C1F83E24}"/>
-              </a:ext>
-            </a:extLst>
-          </p:cNvPr>
+            <a:endParaRPr lang="en-US" dirty="0"/>
+          </a:p>
+        </p:txBody>
+      </p:sp>
+      <p:sp>
+        <p:nvSpPr>
+          <p:cNvPr id="5" name="Text Placeholder 4"/>
           <p:cNvSpPr>
             <a:spLocks noGrp="1"/>
           </p:cNvSpPr>
@@ -1741,13 +1536,7 @@
       </p:sp>
       <p:sp>
         <p:nvSpPr>
-          <p:cNvPr id="6" name="Content Placeholder 5">
-            <a:extLst>
-              <a:ext uri="{FF2B5EF4-FFF2-40B4-BE49-F238E27FC236}">
-                <a16:creationId xmlns:a16="http://schemas.microsoft.com/office/drawing/2014/main" id="{F4D185DC-26D0-BD9C-3425-FE6FD448A882}"/>
-              </a:ext>
-            </a:extLst>
-          </p:cNvPr>
+          <p:cNvPr id="6" name="Content Placeholder 5"/>
           <p:cNvSpPr>
             <a:spLocks noGrp="1"/>
           </p:cNvSpPr>
@@ -1798,19 +1587,13 @@
               <a:rPr lang="en-GB"/>
               <a:t>Fifth level</a:t>
             </a:r>
-            <a:endParaRPr lang="en-US"/>
-          </a:p>
-        </p:txBody>
-      </p:sp>
-      <p:sp>
-        <p:nvSpPr>
-          <p:cNvPr id="7" name="Date Placeholder 6">
-            <a:extLst>
-              <a:ext uri="{FF2B5EF4-FFF2-40B4-BE49-F238E27FC236}">
-                <a16:creationId xmlns:a16="http://schemas.microsoft.com/office/drawing/2014/main" id="{50807CAD-B9C4-74F6-1A59-031935DFA3F7}"/>
-              </a:ext>
-            </a:extLst>
-          </p:cNvPr>
+            <a:endParaRPr lang="en-US" dirty="0"/>
+          </a:p>
+        </p:txBody>
+      </p:sp>
+      <p:sp>
+        <p:nvSpPr>
+          <p:cNvPr id="7" name="Date Placeholder 6"/>
           <p:cNvSpPr>
             <a:spLocks noGrp="1"/>
           </p:cNvSpPr>
@@ -1825,7 +1608,7 @@
           <a:p>
             <a:fld id="{FA5B3755-7C7B-754F-ACC2-E7D238751182}" type="datetimeFigureOut">
               <a:rPr lang="en-US" smtClean="0"/>
-              <a:t>5/29/25</a:t>
+              <a:t>8/27/25</a:t>
             </a:fld>
             <a:endParaRPr lang="en-US"/>
           </a:p>
@@ -1833,13 +1616,7 @@
       </p:sp>
       <p:sp>
         <p:nvSpPr>
-          <p:cNvPr id="8" name="Footer Placeholder 7">
-            <a:extLst>
-              <a:ext uri="{FF2B5EF4-FFF2-40B4-BE49-F238E27FC236}">
-                <a16:creationId xmlns:a16="http://schemas.microsoft.com/office/drawing/2014/main" id="{F2523FF4-24BE-CD3A-DCA1-93FCCCB50114}"/>
-              </a:ext>
-            </a:extLst>
-          </p:cNvPr>
+          <p:cNvPr id="8" name="Footer Placeholder 7"/>
           <p:cNvSpPr>
             <a:spLocks noGrp="1"/>
           </p:cNvSpPr>
@@ -1858,13 +1635,7 @@
       </p:sp>
       <p:sp>
         <p:nvSpPr>
-          <p:cNvPr id="9" name="Slide Number Placeholder 8">
-            <a:extLst>
-              <a:ext uri="{FF2B5EF4-FFF2-40B4-BE49-F238E27FC236}">
-                <a16:creationId xmlns:a16="http://schemas.microsoft.com/office/drawing/2014/main" id="{CE07F061-12F1-3628-4A20-2ACA0E3223EF}"/>
-              </a:ext>
-            </a:extLst>
-          </p:cNvPr>
+          <p:cNvPr id="9" name="Slide Number Placeholder 8"/>
           <p:cNvSpPr>
             <a:spLocks noGrp="1"/>
           </p:cNvSpPr>
@@ -1888,7 +1659,7 @@
     </p:spTree>
     <p:extLst>
       <p:ext uri="{BB962C8B-B14F-4D97-AF65-F5344CB8AC3E}">
-        <p14:creationId xmlns:p14="http://schemas.microsoft.com/office/powerpoint/2010/main" val="570993025"/>
+        <p14:creationId xmlns:p14="http://schemas.microsoft.com/office/powerpoint/2010/main" val="3054008763"/>
       </p:ext>
     </p:extLst>
   </p:cSld>
@@ -1917,13 +1688,7 @@
       </p:grpSpPr>
       <p:sp>
         <p:nvSpPr>
-          <p:cNvPr id="2" name="Title 1">
-            <a:extLst>
-              <a:ext uri="{FF2B5EF4-FFF2-40B4-BE49-F238E27FC236}">
-                <a16:creationId xmlns:a16="http://schemas.microsoft.com/office/drawing/2014/main" id="{0115FCA2-1B56-A1AC-F36B-083FDF9EE6E9}"/>
-              </a:ext>
-            </a:extLst>
-          </p:cNvPr>
+          <p:cNvPr id="2" name="Title 1"/>
           <p:cNvSpPr>
             <a:spLocks noGrp="1"/>
           </p:cNvSpPr>
@@ -1940,19 +1705,13 @@
               <a:rPr lang="en-GB"/>
               <a:t>Click to edit Master title style</a:t>
             </a:r>
-            <a:endParaRPr lang="en-US"/>
-          </a:p>
-        </p:txBody>
-      </p:sp>
-      <p:sp>
-        <p:nvSpPr>
-          <p:cNvPr id="3" name="Date Placeholder 2">
-            <a:extLst>
-              <a:ext uri="{FF2B5EF4-FFF2-40B4-BE49-F238E27FC236}">
-                <a16:creationId xmlns:a16="http://schemas.microsoft.com/office/drawing/2014/main" id="{FF4CA49B-0828-C5AB-0652-9D73FD84D7C5}"/>
-              </a:ext>
-            </a:extLst>
-          </p:cNvPr>
+            <a:endParaRPr lang="en-US" dirty="0"/>
+          </a:p>
+        </p:txBody>
+      </p:sp>
+      <p:sp>
+        <p:nvSpPr>
+          <p:cNvPr id="3" name="Date Placeholder 2"/>
           <p:cNvSpPr>
             <a:spLocks noGrp="1"/>
           </p:cNvSpPr>
@@ -1967,7 +1726,7 @@
           <a:p>
             <a:fld id="{FA5B3755-7C7B-754F-ACC2-E7D238751182}" type="datetimeFigureOut">
               <a:rPr lang="en-US" smtClean="0"/>
-              <a:t>5/29/25</a:t>
+              <a:t>8/27/25</a:t>
             </a:fld>
             <a:endParaRPr lang="en-US"/>
           </a:p>
@@ -1975,13 +1734,7 @@
       </p:sp>
       <p:sp>
         <p:nvSpPr>
-          <p:cNvPr id="4" name="Footer Placeholder 3">
-            <a:extLst>
-              <a:ext uri="{FF2B5EF4-FFF2-40B4-BE49-F238E27FC236}">
-                <a16:creationId xmlns:a16="http://schemas.microsoft.com/office/drawing/2014/main" id="{09326CBA-811D-6699-38A7-7C04964D1F34}"/>
-              </a:ext>
-            </a:extLst>
-          </p:cNvPr>
+          <p:cNvPr id="4" name="Footer Placeholder 3"/>
           <p:cNvSpPr>
             <a:spLocks noGrp="1"/>
           </p:cNvSpPr>
@@ -2000,13 +1753,7 @@
       </p:sp>
       <p:sp>
         <p:nvSpPr>
-          <p:cNvPr id="5" name="Slide Number Placeholder 4">
-            <a:extLst>
-              <a:ext uri="{FF2B5EF4-FFF2-40B4-BE49-F238E27FC236}">
-                <a16:creationId xmlns:a16="http://schemas.microsoft.com/office/drawing/2014/main" id="{146FED1D-5206-859A-2AED-D5627F4A5D44}"/>
-              </a:ext>
-            </a:extLst>
-          </p:cNvPr>
+          <p:cNvPr id="5" name="Slide Number Placeholder 4"/>
           <p:cNvSpPr>
             <a:spLocks noGrp="1"/>
           </p:cNvSpPr>
@@ -2030,7 +1777,7 @@
     </p:spTree>
     <p:extLst>
       <p:ext uri="{BB962C8B-B14F-4D97-AF65-F5344CB8AC3E}">
-        <p14:creationId xmlns:p14="http://schemas.microsoft.com/office/powerpoint/2010/main" val="1268049801"/>
+        <p14:creationId xmlns:p14="http://schemas.microsoft.com/office/powerpoint/2010/main" val="2911461448"/>
       </p:ext>
     </p:extLst>
   </p:cSld>
@@ -2059,13 +1806,7 @@
       </p:grpSpPr>
       <p:sp>
         <p:nvSpPr>
-          <p:cNvPr id="2" name="Date Placeholder 1">
-            <a:extLst>
-              <a:ext uri="{FF2B5EF4-FFF2-40B4-BE49-F238E27FC236}">
-                <a16:creationId xmlns:a16="http://schemas.microsoft.com/office/drawing/2014/main" id="{8A5AE7F0-3005-E231-39EA-51EC1419A26B}"/>
-              </a:ext>
-            </a:extLst>
-          </p:cNvPr>
+          <p:cNvPr id="2" name="Date Placeholder 1"/>
           <p:cNvSpPr>
             <a:spLocks noGrp="1"/>
           </p:cNvSpPr>
@@ -2080,7 +1821,7 @@
           <a:p>
             <a:fld id="{FA5B3755-7C7B-754F-ACC2-E7D238751182}" type="datetimeFigureOut">
               <a:rPr lang="en-US" smtClean="0"/>
-              <a:t>5/29/25</a:t>
+              <a:t>8/27/25</a:t>
             </a:fld>
             <a:endParaRPr lang="en-US"/>
           </a:p>
@@ -2088,13 +1829,7 @@
       </p:sp>
       <p:sp>
         <p:nvSpPr>
-          <p:cNvPr id="3" name="Footer Placeholder 2">
-            <a:extLst>
-              <a:ext uri="{FF2B5EF4-FFF2-40B4-BE49-F238E27FC236}">
-                <a16:creationId xmlns:a16="http://schemas.microsoft.com/office/drawing/2014/main" id="{ED393CF0-B5E0-26D5-D668-173B9794BD65}"/>
-              </a:ext>
-            </a:extLst>
-          </p:cNvPr>
+          <p:cNvPr id="3" name="Footer Placeholder 2"/>
           <p:cNvSpPr>
             <a:spLocks noGrp="1"/>
           </p:cNvSpPr>
@@ -2113,13 +1848,7 @@
       </p:sp>
       <p:sp>
         <p:nvSpPr>
-          <p:cNvPr id="4" name="Slide Number Placeholder 3">
-            <a:extLst>
-              <a:ext uri="{FF2B5EF4-FFF2-40B4-BE49-F238E27FC236}">
-                <a16:creationId xmlns:a16="http://schemas.microsoft.com/office/drawing/2014/main" id="{3A36174F-F3D3-20C2-BD30-AED2EB3D8E97}"/>
-              </a:ext>
-            </a:extLst>
-          </p:cNvPr>
+          <p:cNvPr id="4" name="Slide Number Placeholder 3"/>
           <p:cNvSpPr>
             <a:spLocks noGrp="1"/>
           </p:cNvSpPr>
@@ -2143,7 +1872,7 @@
     </p:spTree>
     <p:extLst>
       <p:ext uri="{BB962C8B-B14F-4D97-AF65-F5344CB8AC3E}">
-        <p14:creationId xmlns:p14="http://schemas.microsoft.com/office/powerpoint/2010/main" val="12136608"/>
+        <p14:creationId xmlns:p14="http://schemas.microsoft.com/office/powerpoint/2010/main" val="3523436254"/>
       </p:ext>
     </p:extLst>
   </p:cSld>
@@ -2172,13 +1901,7 @@
       </p:grpSpPr>
       <p:sp>
         <p:nvSpPr>
-          <p:cNvPr id="2" name="Title 1">
-            <a:extLst>
-              <a:ext uri="{FF2B5EF4-FFF2-40B4-BE49-F238E27FC236}">
-                <a16:creationId xmlns:a16="http://schemas.microsoft.com/office/drawing/2014/main" id="{88839318-FAEB-38F3-BB4C-C6E94763C047}"/>
-              </a:ext>
-            </a:extLst>
-          </p:cNvPr>
+          <p:cNvPr id="2" name="Title 1"/>
           <p:cNvSpPr>
             <a:spLocks noGrp="1"/>
           </p:cNvSpPr>
@@ -2204,19 +1927,13 @@
               <a:rPr lang="en-GB"/>
               <a:t>Click to edit Master title style</a:t>
             </a:r>
-            <a:endParaRPr lang="en-US"/>
-          </a:p>
-        </p:txBody>
-      </p:sp>
-      <p:sp>
-        <p:nvSpPr>
-          <p:cNvPr id="3" name="Content Placeholder 2">
-            <a:extLst>
-              <a:ext uri="{FF2B5EF4-FFF2-40B4-BE49-F238E27FC236}">
-                <a16:creationId xmlns:a16="http://schemas.microsoft.com/office/drawing/2014/main" id="{1E54CFF7-3D9F-1337-1791-7808AC7F951E}"/>
-              </a:ext>
-            </a:extLst>
-          </p:cNvPr>
+            <a:endParaRPr lang="en-US" dirty="0"/>
+          </a:p>
+        </p:txBody>
+      </p:sp>
+      <p:sp>
+        <p:nvSpPr>
+          <p:cNvPr id="3" name="Content Placeholder 2"/>
           <p:cNvSpPr>
             <a:spLocks noGrp="1"/>
           </p:cNvSpPr>
@@ -2295,19 +2012,13 @@
               <a:rPr lang="en-GB"/>
               <a:t>Fifth level</a:t>
             </a:r>
-            <a:endParaRPr lang="en-US"/>
-          </a:p>
-        </p:txBody>
-      </p:sp>
-      <p:sp>
-        <p:nvSpPr>
-          <p:cNvPr id="4" name="Text Placeholder 3">
-            <a:extLst>
-              <a:ext uri="{FF2B5EF4-FFF2-40B4-BE49-F238E27FC236}">
-                <a16:creationId xmlns:a16="http://schemas.microsoft.com/office/drawing/2014/main" id="{D695572C-9C44-5CC5-BC50-C0084FFCC275}"/>
-              </a:ext>
-            </a:extLst>
-          </p:cNvPr>
+            <a:endParaRPr lang="en-US" dirty="0"/>
+          </a:p>
+        </p:txBody>
+      </p:sp>
+      <p:sp>
+        <p:nvSpPr>
+          <p:cNvPr id="4" name="Text Placeholder 3"/>
           <p:cNvSpPr>
             <a:spLocks noGrp="1"/>
           </p:cNvSpPr>
@@ -2372,13 +2083,7 @@
       </p:sp>
       <p:sp>
         <p:nvSpPr>
-          <p:cNvPr id="5" name="Date Placeholder 4">
-            <a:extLst>
-              <a:ext uri="{FF2B5EF4-FFF2-40B4-BE49-F238E27FC236}">
-                <a16:creationId xmlns:a16="http://schemas.microsoft.com/office/drawing/2014/main" id="{B49BC8AA-8E48-08FF-F5AE-C42A3FC3694F}"/>
-              </a:ext>
-            </a:extLst>
-          </p:cNvPr>
+          <p:cNvPr id="5" name="Date Placeholder 4"/>
           <p:cNvSpPr>
             <a:spLocks noGrp="1"/>
           </p:cNvSpPr>
@@ -2393,7 +2098,7 @@
           <a:p>
             <a:fld id="{FA5B3755-7C7B-754F-ACC2-E7D238751182}" type="datetimeFigureOut">
               <a:rPr lang="en-US" smtClean="0"/>
-              <a:t>5/29/25</a:t>
+              <a:t>8/27/25</a:t>
             </a:fld>
             <a:endParaRPr lang="en-US"/>
           </a:p>
@@ -2401,13 +2106,7 @@
       </p:sp>
       <p:sp>
         <p:nvSpPr>
-          <p:cNvPr id="6" name="Footer Placeholder 5">
-            <a:extLst>
-              <a:ext uri="{FF2B5EF4-FFF2-40B4-BE49-F238E27FC236}">
-                <a16:creationId xmlns:a16="http://schemas.microsoft.com/office/drawing/2014/main" id="{AA08010D-907D-8041-7C77-0DCD5EDF3454}"/>
-              </a:ext>
-            </a:extLst>
-          </p:cNvPr>
+          <p:cNvPr id="6" name="Footer Placeholder 5"/>
           <p:cNvSpPr>
             <a:spLocks noGrp="1"/>
           </p:cNvSpPr>
@@ -2426,13 +2125,7 @@
       </p:sp>
       <p:sp>
         <p:nvSpPr>
-          <p:cNvPr id="7" name="Slide Number Placeholder 6">
-            <a:extLst>
-              <a:ext uri="{FF2B5EF4-FFF2-40B4-BE49-F238E27FC236}">
-                <a16:creationId xmlns:a16="http://schemas.microsoft.com/office/drawing/2014/main" id="{82232FF3-F988-FA45-97D8-06625FD2C5E4}"/>
-              </a:ext>
-            </a:extLst>
-          </p:cNvPr>
+          <p:cNvPr id="7" name="Slide Number Placeholder 6"/>
           <p:cNvSpPr>
             <a:spLocks noGrp="1"/>
           </p:cNvSpPr>
@@ -2456,7 +2149,7 @@
     </p:spTree>
     <p:extLst>
       <p:ext uri="{BB962C8B-B14F-4D97-AF65-F5344CB8AC3E}">
-        <p14:creationId xmlns:p14="http://schemas.microsoft.com/office/powerpoint/2010/main" val="1747377951"/>
+        <p14:creationId xmlns:p14="http://schemas.microsoft.com/office/powerpoint/2010/main" val="3883823768"/>
       </p:ext>
     </p:extLst>
   </p:cSld>
@@ -2485,13 +2178,7 @@
       </p:grpSpPr>
       <p:sp>
         <p:nvSpPr>
-          <p:cNvPr id="2" name="Title 1">
-            <a:extLst>
-              <a:ext uri="{FF2B5EF4-FFF2-40B4-BE49-F238E27FC236}">
-                <a16:creationId xmlns:a16="http://schemas.microsoft.com/office/drawing/2014/main" id="{440617B6-069C-4AAA-6057-278927CF239B}"/>
-              </a:ext>
-            </a:extLst>
-          </p:cNvPr>
+          <p:cNvPr id="2" name="Title 1"/>
           <p:cNvSpPr>
             <a:spLocks noGrp="1"/>
           </p:cNvSpPr>
@@ -2517,21 +2204,15 @@
               <a:rPr lang="en-GB"/>
               <a:t>Click to edit Master title style</a:t>
             </a:r>
-            <a:endParaRPr lang="en-US"/>
-          </a:p>
-        </p:txBody>
-      </p:sp>
-      <p:sp>
-        <p:nvSpPr>
-          <p:cNvPr id="3" name="Picture Placeholder 2">
-            <a:extLst>
-              <a:ext uri="{FF2B5EF4-FFF2-40B4-BE49-F238E27FC236}">
-                <a16:creationId xmlns:a16="http://schemas.microsoft.com/office/drawing/2014/main" id="{8277C5AA-014E-8C1D-CB5F-552B39CF3AE5}"/>
-              </a:ext>
-            </a:extLst>
-          </p:cNvPr>
-          <p:cNvSpPr>
-            <a:spLocks noGrp="1"/>
+            <a:endParaRPr lang="en-US" dirty="0"/>
+          </a:p>
+        </p:txBody>
+      </p:sp>
+      <p:sp>
+        <p:nvSpPr>
+          <p:cNvPr id="3" name="Picture Placeholder 2"/>
+          <p:cNvSpPr>
+            <a:spLocks noGrp="1" noChangeAspect="1"/>
           </p:cNvSpPr>
           <p:nvPr>
             <p:ph type="pic" idx="1"/>
@@ -2541,6 +2222,71 @@
           <a:xfrm>
             <a:off x="5183188" y="987425"/>
             <a:ext cx="6172200" cy="4873625"/>
+          </a:xfrm>
+        </p:spPr>
+        <p:txBody>
+          <a:bodyPr anchor="t"/>
+          <a:lstStyle>
+            <a:lvl1pPr marL="0" indent="0">
+              <a:buNone/>
+              <a:defRPr sz="3200"/>
+            </a:lvl1pPr>
+            <a:lvl2pPr marL="457200" indent="0">
+              <a:buNone/>
+              <a:defRPr sz="2800"/>
+            </a:lvl2pPr>
+            <a:lvl3pPr marL="914400" indent="0">
+              <a:buNone/>
+              <a:defRPr sz="2400"/>
+            </a:lvl3pPr>
+            <a:lvl4pPr marL="1371600" indent="0">
+              <a:buNone/>
+              <a:defRPr sz="2000"/>
+            </a:lvl4pPr>
+            <a:lvl5pPr marL="1828800" indent="0">
+              <a:buNone/>
+              <a:defRPr sz="2000"/>
+            </a:lvl5pPr>
+            <a:lvl6pPr marL="2286000" indent="0">
+              <a:buNone/>
+              <a:defRPr sz="2000"/>
+            </a:lvl6pPr>
+            <a:lvl7pPr marL="2743200" indent="0">
+              <a:buNone/>
+              <a:defRPr sz="2000"/>
+            </a:lvl7pPr>
+            <a:lvl8pPr marL="3200400" indent="0">
+              <a:buNone/>
+              <a:defRPr sz="2000"/>
+            </a:lvl8pPr>
+            <a:lvl9pPr marL="3657600" indent="0">
+              <a:buNone/>
+              <a:defRPr sz="2000"/>
+            </a:lvl9pPr>
+          </a:lstStyle>
+          <a:p>
+            <a:r>
+              <a:rPr lang="en-GB"/>
+              <a:t>Click icon to add picture</a:t>
+            </a:r>
+            <a:endParaRPr lang="en-US" dirty="0"/>
+          </a:p>
+        </p:txBody>
+      </p:sp>
+      <p:sp>
+        <p:nvSpPr>
+          <p:cNvPr id="4" name="Text Placeholder 3"/>
+          <p:cNvSpPr>
+            <a:spLocks noGrp="1"/>
+          </p:cNvSpPr>
+          <p:nvPr>
+            <p:ph type="body" sz="half" idx="2"/>
+          </p:nvPr>
+        </p:nvSpPr>
+        <p:spPr>
+          <a:xfrm>
+            <a:off x="839788" y="2057400"/>
+            <a:ext cx="3932237" cy="3811588"/>
           </a:xfrm>
         </p:spPr>
         <p:txBody>
@@ -2548,73 +2294,6 @@
           <a:lstStyle>
             <a:lvl1pPr marL="0" indent="0">
               <a:buNone/>
-              <a:defRPr sz="3200"/>
-            </a:lvl1pPr>
-            <a:lvl2pPr marL="457200" indent="0">
-              <a:buNone/>
-              <a:defRPr sz="2800"/>
-            </a:lvl2pPr>
-            <a:lvl3pPr marL="914400" indent="0">
-              <a:buNone/>
-              <a:defRPr sz="2400"/>
-            </a:lvl3pPr>
-            <a:lvl4pPr marL="1371600" indent="0">
-              <a:buNone/>
-              <a:defRPr sz="2000"/>
-            </a:lvl4pPr>
-            <a:lvl5pPr marL="1828800" indent="0">
-              <a:buNone/>
-              <a:defRPr sz="2000"/>
-            </a:lvl5pPr>
-            <a:lvl6pPr marL="2286000" indent="0">
-              <a:buNone/>
-              <a:defRPr sz="2000"/>
-            </a:lvl6pPr>
-            <a:lvl7pPr marL="2743200" indent="0">
-              <a:buNone/>
-              <a:defRPr sz="2000"/>
-            </a:lvl7pPr>
-            <a:lvl8pPr marL="3200400" indent="0">
-              <a:buNone/>
-              <a:defRPr sz="2000"/>
-            </a:lvl8pPr>
-            <a:lvl9pPr marL="3657600" indent="0">
-              <a:buNone/>
-              <a:defRPr sz="2000"/>
-            </a:lvl9pPr>
-          </a:lstStyle>
-          <a:p>
-            <a:endParaRPr lang="en-US"/>
-          </a:p>
-        </p:txBody>
-      </p:sp>
-      <p:sp>
-        <p:nvSpPr>
-          <p:cNvPr id="4" name="Text Placeholder 3">
-            <a:extLst>
-              <a:ext uri="{FF2B5EF4-FFF2-40B4-BE49-F238E27FC236}">
-                <a16:creationId xmlns:a16="http://schemas.microsoft.com/office/drawing/2014/main" id="{F5FD25B8-E010-F860-CA8A-00E81ED3EAE7}"/>
-              </a:ext>
-            </a:extLst>
-          </p:cNvPr>
-          <p:cNvSpPr>
-            <a:spLocks noGrp="1"/>
-          </p:cNvSpPr>
-          <p:nvPr>
-            <p:ph type="body" sz="half" idx="2"/>
-          </p:nvPr>
-        </p:nvSpPr>
-        <p:spPr>
-          <a:xfrm>
-            <a:off x="839788" y="2057400"/>
-            <a:ext cx="3932237" cy="3811588"/>
-          </a:xfrm>
-        </p:spPr>
-        <p:txBody>
-          <a:bodyPr/>
-          <a:lstStyle>
-            <a:lvl1pPr marL="0" indent="0">
-              <a:buNone/>
               <a:defRPr sz="1600"/>
             </a:lvl1pPr>
             <a:lvl2pPr marL="457200" indent="0">
@@ -2661,13 +2340,7 @@
       </p:sp>
       <p:sp>
         <p:nvSpPr>
-          <p:cNvPr id="5" name="Date Placeholder 4">
-            <a:extLst>
-              <a:ext uri="{FF2B5EF4-FFF2-40B4-BE49-F238E27FC236}">
-                <a16:creationId xmlns:a16="http://schemas.microsoft.com/office/drawing/2014/main" id="{BFD197D3-68D2-3CA2-F419-84D834C1C627}"/>
-              </a:ext>
-            </a:extLst>
-          </p:cNvPr>
+          <p:cNvPr id="5" name="Date Placeholder 4"/>
           <p:cNvSpPr>
             <a:spLocks noGrp="1"/>
           </p:cNvSpPr>
@@ -2682,7 +2355,7 @@
           <a:p>
             <a:fld id="{FA5B3755-7C7B-754F-ACC2-E7D238751182}" type="datetimeFigureOut">
               <a:rPr lang="en-US" smtClean="0"/>
-              <a:t>5/29/25</a:t>
+              <a:t>8/27/25</a:t>
             </a:fld>
             <a:endParaRPr lang="en-US"/>
           </a:p>
@@ -2690,13 +2363,7 @@
       </p:sp>
       <p:sp>
         <p:nvSpPr>
-          <p:cNvPr id="6" name="Footer Placeholder 5">
-            <a:extLst>
-              <a:ext uri="{FF2B5EF4-FFF2-40B4-BE49-F238E27FC236}">
-                <a16:creationId xmlns:a16="http://schemas.microsoft.com/office/drawing/2014/main" id="{7D0B2170-526E-9688-5945-082884376BAF}"/>
-              </a:ext>
-            </a:extLst>
-          </p:cNvPr>
+          <p:cNvPr id="6" name="Footer Placeholder 5"/>
           <p:cNvSpPr>
             <a:spLocks noGrp="1"/>
           </p:cNvSpPr>
@@ -2715,13 +2382,7 @@
       </p:sp>
       <p:sp>
         <p:nvSpPr>
-          <p:cNvPr id="7" name="Slide Number Placeholder 6">
-            <a:extLst>
-              <a:ext uri="{FF2B5EF4-FFF2-40B4-BE49-F238E27FC236}">
-                <a16:creationId xmlns:a16="http://schemas.microsoft.com/office/drawing/2014/main" id="{EC23749B-C465-44F7-275D-B400A688C47E}"/>
-              </a:ext>
-            </a:extLst>
-          </p:cNvPr>
+          <p:cNvPr id="7" name="Slide Number Placeholder 6"/>
           <p:cNvSpPr>
             <a:spLocks noGrp="1"/>
           </p:cNvSpPr>
@@ -2745,7 +2406,7 @@
     </p:spTree>
     <p:extLst>
       <p:ext uri="{BB962C8B-B14F-4D97-AF65-F5344CB8AC3E}">
-        <p14:creationId xmlns:p14="http://schemas.microsoft.com/office/powerpoint/2010/main" val="856864344"/>
+        <p14:creationId xmlns:p14="http://schemas.microsoft.com/office/powerpoint/2010/main" val="3231347503"/>
       </p:ext>
     </p:extLst>
   </p:cSld>
@@ -2779,13 +2440,7 @@
       </p:grpSpPr>
       <p:sp>
         <p:nvSpPr>
-          <p:cNvPr id="2" name="Title Placeholder 1">
-            <a:extLst>
-              <a:ext uri="{FF2B5EF4-FFF2-40B4-BE49-F238E27FC236}">
-                <a16:creationId xmlns:a16="http://schemas.microsoft.com/office/drawing/2014/main" id="{5F3FFA9A-6835-709E-2176-4603592FA1F6}"/>
-              </a:ext>
-            </a:extLst>
-          </p:cNvPr>
+          <p:cNvPr id="2" name="Title Placeholder 1"/>
           <p:cNvSpPr>
             <a:spLocks noGrp="1"/>
           </p:cNvSpPr>
@@ -2812,19 +2467,13 @@
               <a:rPr lang="en-GB"/>
               <a:t>Click to edit Master title style</a:t>
             </a:r>
-            <a:endParaRPr lang="en-US"/>
-          </a:p>
-        </p:txBody>
-      </p:sp>
-      <p:sp>
-        <p:nvSpPr>
-          <p:cNvPr id="3" name="Text Placeholder 2">
-            <a:extLst>
-              <a:ext uri="{FF2B5EF4-FFF2-40B4-BE49-F238E27FC236}">
-                <a16:creationId xmlns:a16="http://schemas.microsoft.com/office/drawing/2014/main" id="{C5DFFA77-E1D8-A2AD-DF81-4F51CBFB4587}"/>
-              </a:ext>
-            </a:extLst>
-          </p:cNvPr>
+            <a:endParaRPr lang="en-US" dirty="0"/>
+          </a:p>
+        </p:txBody>
+      </p:sp>
+      <p:sp>
+        <p:nvSpPr>
+          <p:cNvPr id="3" name="Text Placeholder 2"/>
           <p:cNvSpPr>
             <a:spLocks noGrp="1"/>
           </p:cNvSpPr>
@@ -2880,19 +2529,13 @@
               <a:rPr lang="en-GB"/>
               <a:t>Fifth level</a:t>
             </a:r>
-            <a:endParaRPr lang="en-US"/>
-          </a:p>
-        </p:txBody>
-      </p:sp>
-      <p:sp>
-        <p:nvSpPr>
-          <p:cNvPr id="4" name="Date Placeholder 3">
-            <a:extLst>
-              <a:ext uri="{FF2B5EF4-FFF2-40B4-BE49-F238E27FC236}">
-                <a16:creationId xmlns:a16="http://schemas.microsoft.com/office/drawing/2014/main" id="{83D5F046-15E5-3821-47D2-6530D188872D}"/>
-              </a:ext>
-            </a:extLst>
-          </p:cNvPr>
+            <a:endParaRPr lang="en-US" dirty="0"/>
+          </a:p>
+        </p:txBody>
+      </p:sp>
+      <p:sp>
+        <p:nvSpPr>
+          <p:cNvPr id="4" name="Date Placeholder 3"/>
           <p:cNvSpPr>
             <a:spLocks noGrp="1"/>
           </p:cNvSpPr>
@@ -2925,7 +2568,7 @@
           <a:p>
             <a:fld id="{FA5B3755-7C7B-754F-ACC2-E7D238751182}" type="datetimeFigureOut">
               <a:rPr lang="en-US" smtClean="0"/>
-              <a:t>5/29/25</a:t>
+              <a:t>8/27/25</a:t>
             </a:fld>
             <a:endParaRPr lang="en-US"/>
           </a:p>
@@ -2933,13 +2576,7 @@
       </p:sp>
       <p:sp>
         <p:nvSpPr>
-          <p:cNvPr id="5" name="Footer Placeholder 4">
-            <a:extLst>
-              <a:ext uri="{FF2B5EF4-FFF2-40B4-BE49-F238E27FC236}">
-                <a16:creationId xmlns:a16="http://schemas.microsoft.com/office/drawing/2014/main" id="{6628163D-ECE9-6863-F88A-F4C0E6DBF261}"/>
-              </a:ext>
-            </a:extLst>
-          </p:cNvPr>
+          <p:cNvPr id="5" name="Footer Placeholder 4"/>
           <p:cNvSpPr>
             <a:spLocks noGrp="1"/>
           </p:cNvSpPr>
@@ -2976,13 +2613,7 @@
       </p:sp>
       <p:sp>
         <p:nvSpPr>
-          <p:cNvPr id="6" name="Slide Number Placeholder 5">
-            <a:extLst>
-              <a:ext uri="{FF2B5EF4-FFF2-40B4-BE49-F238E27FC236}">
-                <a16:creationId xmlns:a16="http://schemas.microsoft.com/office/drawing/2014/main" id="{A1E50C4C-71FB-8AA5-8887-93C0C9C023BA}"/>
-              </a:ext>
-            </a:extLst>
-          </p:cNvPr>
+          <p:cNvPr id="6" name="Slide Number Placeholder 5"/>
           <p:cNvSpPr>
             <a:spLocks noGrp="1"/>
           </p:cNvSpPr>
@@ -3024,23 +2655,23 @@
     </p:spTree>
     <p:extLst>
       <p:ext uri="{BB962C8B-B14F-4D97-AF65-F5344CB8AC3E}">
-        <p14:creationId xmlns:p14="http://schemas.microsoft.com/office/powerpoint/2010/main" val="3901431884"/>
+        <p14:creationId xmlns:p14="http://schemas.microsoft.com/office/powerpoint/2010/main" val="747167854"/>
       </p:ext>
     </p:extLst>
   </p:cSld>
   <p:clrMap bg1="lt1" tx1="dk1" bg2="lt2" tx2="dk2" accent1="accent1" accent2="accent2" accent3="accent3" accent4="accent4" accent5="accent5" accent6="accent6" hlink="hlink" folHlink="folHlink"/>
   <p:sldLayoutIdLst>
-    <p:sldLayoutId id="2147483649" r:id="rId1"/>
-    <p:sldLayoutId id="2147483650" r:id="rId2"/>
-    <p:sldLayoutId id="2147483651" r:id="rId3"/>
-    <p:sldLayoutId id="2147483652" r:id="rId4"/>
-    <p:sldLayoutId id="2147483653" r:id="rId5"/>
-    <p:sldLayoutId id="2147483654" r:id="rId6"/>
-    <p:sldLayoutId id="2147483655" r:id="rId7"/>
-    <p:sldLayoutId id="2147483656" r:id="rId8"/>
-    <p:sldLayoutId id="2147483657" r:id="rId9"/>
-    <p:sldLayoutId id="2147483658" r:id="rId10"/>
-    <p:sldLayoutId id="2147483659" r:id="rId11"/>
+    <p:sldLayoutId id="2147483673" r:id="rId1"/>
+    <p:sldLayoutId id="2147483674" r:id="rId2"/>
+    <p:sldLayoutId id="2147483675" r:id="rId3"/>
+    <p:sldLayoutId id="2147483676" r:id="rId4"/>
+    <p:sldLayoutId id="2147483677" r:id="rId5"/>
+    <p:sldLayoutId id="2147483678" r:id="rId6"/>
+    <p:sldLayoutId id="2147483679" r:id="rId7"/>
+    <p:sldLayoutId id="2147483680" r:id="rId8"/>
+    <p:sldLayoutId id="2147483681" r:id="rId9"/>
+    <p:sldLayoutId id="2147483682" r:id="rId10"/>
+    <p:sldLayoutId id="2147483683" r:id="rId11"/>
   </p:sldLayoutIdLst>
   <p:txStyles>
     <p:titleStyle>
@@ -3344,10 +2975,10 @@
       </p:grpSpPr>
       <p:pic>
         <p:nvPicPr>
-          <p:cNvPr id="5" name="Picture 4">
+          <p:cNvPr id="2" name="Picture 1">
             <a:extLst>
               <a:ext uri="{FF2B5EF4-FFF2-40B4-BE49-F238E27FC236}">
-                <a16:creationId xmlns:a16="http://schemas.microsoft.com/office/drawing/2014/main" id="{DE19ECB7-A2EB-1077-64C8-F996E59999AE}"/>
+                <a16:creationId xmlns:a16="http://schemas.microsoft.com/office/drawing/2014/main" id="{EE0ACCC0-5C34-0485-781D-7D8DF651FDF3}"/>
               </a:ext>
             </a:extLst>
           </p:cNvPr>
@@ -3364,8 +2995,8 @@
         </p:blipFill>
         <p:spPr>
           <a:xfrm>
-            <a:off x="2006452" y="80999"/>
-            <a:ext cx="3290666" cy="2493334"/>
+            <a:off x="4637108" y="2813862"/>
+            <a:ext cx="3774540" cy="2815927"/>
           </a:xfrm>
           <a:prstGeom prst="rect">
             <a:avLst/>
@@ -3374,10 +3005,10 @@
       </p:pic>
       <p:pic>
         <p:nvPicPr>
-          <p:cNvPr id="6" name="Picture 5">
+          <p:cNvPr id="3" name="Picture 2">
             <a:extLst>
               <a:ext uri="{FF2B5EF4-FFF2-40B4-BE49-F238E27FC236}">
-                <a16:creationId xmlns:a16="http://schemas.microsoft.com/office/drawing/2014/main" id="{A7F82753-DD0B-9B0D-89EC-5A67D5912CB2}"/>
+                <a16:creationId xmlns:a16="http://schemas.microsoft.com/office/drawing/2014/main" id="{98204547-E194-B2D0-8385-3B97611665EC}"/>
               </a:ext>
             </a:extLst>
           </p:cNvPr>
@@ -3394,8 +3025,8 @@
         </p:blipFill>
         <p:spPr>
           <a:xfrm>
-            <a:off x="5048191" y="80999"/>
-            <a:ext cx="4888421" cy="2493334"/>
+            <a:off x="503940" y="2848710"/>
+            <a:ext cx="3814541" cy="2845768"/>
           </a:xfrm>
           <a:prstGeom prst="rect">
             <a:avLst/>
@@ -3424,7 +3055,7 @@
         </p:blipFill>
         <p:spPr>
           <a:xfrm>
-            <a:off x="1708685" y="2547843"/>
+            <a:off x="485901" y="68363"/>
             <a:ext cx="3886200" cy="2899229"/>
           </a:xfrm>
           <a:prstGeom prst="rect">
@@ -3454,7 +3085,7 @@
         </p:blipFill>
         <p:spPr>
           <a:xfrm>
-            <a:off x="5612676" y="2479479"/>
+            <a:off x="4389892" y="0"/>
             <a:ext cx="4008378" cy="2990377"/>
           </a:xfrm>
           <a:prstGeom prst="rect">
@@ -3476,7 +3107,7 @@
         </p:nvSpPr>
         <p:spPr>
           <a:xfrm>
-            <a:off x="3231690" y="816572"/>
+            <a:off x="2013186" y="3628232"/>
             <a:ext cx="732893" cy="307777"/>
           </a:xfrm>
           <a:prstGeom prst="rect">
@@ -3514,7 +3145,7 @@
         </p:nvSpPr>
         <p:spPr>
           <a:xfrm>
-            <a:off x="2968451" y="2055399"/>
+            <a:off x="1635982" y="5194552"/>
             <a:ext cx="1053494" cy="307777"/>
           </a:xfrm>
           <a:prstGeom prst="rect">
@@ -3523,7 +3154,7 @@
           <a:noFill/>
         </p:spPr>
         <p:txBody>
-          <a:bodyPr wrap="none" rtlCol="0">
+          <a:bodyPr wrap="square" rtlCol="0">
             <a:spAutoFit/>
           </a:bodyPr>
           <a:lstStyle/>
@@ -3554,7 +3185,7 @@
         </p:nvCxnSpPr>
         <p:spPr>
           <a:xfrm flipV="1">
-            <a:off x="3598137" y="365760"/>
+            <a:off x="2379631" y="3177418"/>
             <a:ext cx="0" cy="403860"/>
           </a:xfrm>
           <a:prstGeom prst="straightConnector1">
@@ -3593,7 +3224,7 @@
         </p:nvSpPr>
         <p:spPr>
           <a:xfrm>
-            <a:off x="7071046" y="758487"/>
+            <a:off x="6065275" y="3544646"/>
             <a:ext cx="792205" cy="307777"/>
           </a:xfrm>
           <a:prstGeom prst="rect">
@@ -3633,8 +3264,8 @@
         </p:nvCxnSpPr>
         <p:spPr>
           <a:xfrm flipH="1">
-            <a:off x="2636520" y="2209288"/>
-            <a:ext cx="359179" cy="0"/>
+            <a:off x="1162194" y="5348439"/>
+            <a:ext cx="501038" cy="0"/>
           </a:xfrm>
           <a:prstGeom prst="straightConnector1">
             <a:avLst/>
@@ -3672,7 +3303,7 @@
         </p:nvSpPr>
         <p:spPr>
           <a:xfrm>
-            <a:off x="7003754" y="2102608"/>
+            <a:off x="5696453" y="5232330"/>
             <a:ext cx="1053494" cy="307777"/>
           </a:xfrm>
           <a:prstGeom prst="rect">
@@ -3711,9 +3342,9 @@
           <p:nvPr/>
         </p:nvCxnSpPr>
         <p:spPr>
-          <a:xfrm flipH="1">
-            <a:off x="6792482" y="2271737"/>
-            <a:ext cx="278564" cy="0"/>
+          <a:xfrm flipH="1" flipV="1">
+            <a:off x="5381877" y="5348439"/>
+            <a:ext cx="381869" cy="53018"/>
           </a:xfrm>
           <a:prstGeom prst="straightConnector1">
             <a:avLst/>
@@ -3753,7 +3384,7 @@
         </p:nvCxnSpPr>
         <p:spPr>
           <a:xfrm flipV="1">
-            <a:off x="7437493" y="373934"/>
+            <a:off x="6402141" y="3160092"/>
             <a:ext cx="0" cy="403860"/>
           </a:xfrm>
           <a:prstGeom prst="straightConnector1">
@@ -3792,7 +3423,7 @@
         </p:nvSpPr>
         <p:spPr>
           <a:xfrm>
-            <a:off x="1222784" y="1347514"/>
+            <a:off x="-51487" y="4138762"/>
             <a:ext cx="1413736" cy="523220"/>
           </a:xfrm>
           <a:prstGeom prst="rect">
@@ -3830,7 +3461,7 @@
         </p:nvSpPr>
         <p:spPr>
           <a:xfrm>
-            <a:off x="1222784" y="747350"/>
+            <a:off x="0" y="3563952"/>
             <a:ext cx="1699682" cy="523220"/>
           </a:xfrm>
           <a:prstGeom prst="rect">
@@ -3870,8 +3501,8 @@
         </p:nvCxnSpPr>
         <p:spPr>
           <a:xfrm>
-            <a:off x="2520102" y="1031006"/>
-            <a:ext cx="271029" cy="688557"/>
+            <a:off x="1297319" y="3847609"/>
+            <a:ext cx="204907" cy="868646"/>
           </a:xfrm>
           <a:prstGeom prst="straightConnector1">
             <a:avLst/>
@@ -3911,8 +3542,8 @@
         </p:nvCxnSpPr>
         <p:spPr>
           <a:xfrm>
-            <a:off x="2501005" y="1579970"/>
-            <a:ext cx="135515" cy="216537"/>
+            <a:off x="1201745" y="4541742"/>
+            <a:ext cx="24163" cy="407252"/>
           </a:xfrm>
           <a:prstGeom prst="straightConnector1">
             <a:avLst/>
@@ -3950,7 +3581,7 @@
         </p:nvSpPr>
         <p:spPr>
           <a:xfrm>
-            <a:off x="1222784" y="4360612"/>
+            <a:off x="0" y="1881131"/>
             <a:ext cx="1413736" cy="523220"/>
           </a:xfrm>
           <a:prstGeom prst="rect">
@@ -3988,7 +3619,7 @@
         </p:nvSpPr>
         <p:spPr>
           <a:xfrm>
-            <a:off x="1222784" y="3760448"/>
+            <a:off x="0" y="1280967"/>
             <a:ext cx="1699682" cy="523220"/>
           </a:xfrm>
           <a:prstGeom prst="rect">
@@ -4028,7 +3659,7 @@
         </p:nvCxnSpPr>
         <p:spPr>
           <a:xfrm>
-            <a:off x="2293673" y="4283668"/>
+            <a:off x="1070891" y="1804189"/>
             <a:ext cx="329203" cy="757509"/>
           </a:xfrm>
           <a:prstGeom prst="straightConnector1">
@@ -4072,7 +3703,7 @@
         </p:nvCxnSpPr>
         <p:spPr>
           <a:xfrm>
-            <a:off x="2354496" y="4809779"/>
+            <a:off x="1131714" y="2330298"/>
             <a:ext cx="110393" cy="231398"/>
           </a:xfrm>
           <a:prstGeom prst="straightConnector1">
@@ -4116,7 +3747,7 @@
         </p:nvCxnSpPr>
         <p:spPr>
           <a:xfrm>
-            <a:off x="2384976" y="4569126"/>
+            <a:off x="1162194" y="2089645"/>
             <a:ext cx="406155" cy="314706"/>
           </a:xfrm>
           <a:prstGeom prst="straightConnector1">
@@ -4160,7 +3791,7 @@
         </p:nvCxnSpPr>
         <p:spPr>
           <a:xfrm>
-            <a:off x="2510999" y="4097377"/>
+            <a:off x="1288217" y="1617897"/>
             <a:ext cx="347765" cy="732969"/>
           </a:xfrm>
           <a:prstGeom prst="straightConnector1">
@@ -4205,8 +3836,8 @@
         </p:nvCxnSpPr>
         <p:spPr>
           <a:xfrm>
-            <a:off x="4021945" y="2209288"/>
-            <a:ext cx="955572" cy="62449"/>
+            <a:off x="2689476" y="5348441"/>
+            <a:ext cx="997667" cy="52532"/>
           </a:xfrm>
           <a:prstGeom prst="straightConnector1">
             <a:avLst/>
@@ -4245,9 +3876,9 @@
           <p:nvPr/>
         </p:nvCxnSpPr>
         <p:spPr>
-          <a:xfrm>
-            <a:off x="8019256" y="2267157"/>
-            <a:ext cx="663568" cy="4580"/>
+          <a:xfrm flipV="1">
+            <a:off x="6711956" y="5386219"/>
+            <a:ext cx="281903" cy="10658"/>
           </a:xfrm>
           <a:prstGeom prst="straightConnector1">
             <a:avLst/>
@@ -4285,7 +3916,7 @@
         </p:nvSpPr>
         <p:spPr>
           <a:xfrm>
-            <a:off x="3226639" y="3429399"/>
+            <a:off x="2003858" y="949919"/>
             <a:ext cx="732893" cy="307777"/>
           </a:xfrm>
           <a:prstGeom prst="rect">
@@ -4325,7 +3956,7 @@
         </p:nvCxnSpPr>
         <p:spPr>
           <a:xfrm flipV="1">
-            <a:off x="3593086" y="2978587"/>
+            <a:off x="2370302" y="499106"/>
             <a:ext cx="0" cy="403860"/>
           </a:xfrm>
           <a:prstGeom prst="straightConnector1">
@@ -4364,7 +3995,7 @@
         </p:nvSpPr>
         <p:spPr>
           <a:xfrm>
-            <a:off x="7168498" y="3382447"/>
+            <a:off x="5945716" y="902967"/>
             <a:ext cx="792205" cy="307777"/>
           </a:xfrm>
           <a:prstGeom prst="rect">
@@ -4404,7 +4035,7 @@
         </p:nvCxnSpPr>
         <p:spPr>
           <a:xfrm flipV="1">
-            <a:off x="7534945" y="2997894"/>
+            <a:off x="6312161" y="518414"/>
             <a:ext cx="0" cy="403860"/>
           </a:xfrm>
           <a:prstGeom prst="straightConnector1">
@@ -4443,7 +4074,7 @@
         </p:nvSpPr>
         <p:spPr>
           <a:xfrm>
-            <a:off x="2956086" y="5041177"/>
+            <a:off x="1733302" y="2561698"/>
             <a:ext cx="1053494" cy="307777"/>
           </a:xfrm>
           <a:prstGeom prst="rect">
@@ -4483,7 +4114,7 @@
         </p:nvCxnSpPr>
         <p:spPr>
           <a:xfrm flipH="1" flipV="1">
-            <a:off x="2636520" y="5128591"/>
+            <a:off x="1413736" y="2649112"/>
             <a:ext cx="346814" cy="66475"/>
           </a:xfrm>
           <a:prstGeom prst="straightConnector1">
@@ -4525,8 +4156,8 @@
         </p:nvCxnSpPr>
         <p:spPr>
           <a:xfrm>
-            <a:off x="4009580" y="5195066"/>
-            <a:ext cx="697592" cy="0"/>
+            <a:off x="2786796" y="2715587"/>
+            <a:ext cx="697592" cy="1"/>
           </a:xfrm>
           <a:prstGeom prst="straightConnector1">
             <a:avLst/>
@@ -4564,7 +4195,7 @@
         </p:nvSpPr>
         <p:spPr>
           <a:xfrm>
-            <a:off x="6910746" y="4887288"/>
+            <a:off x="5687962" y="2407810"/>
             <a:ext cx="1053494" cy="307777"/>
           </a:xfrm>
           <a:prstGeom prst="rect">
@@ -4604,7 +4235,7 @@
         </p:nvCxnSpPr>
         <p:spPr>
           <a:xfrm flipH="1">
-            <a:off x="6432605" y="5056417"/>
+            <a:off x="5209824" y="2576936"/>
             <a:ext cx="545433" cy="0"/>
           </a:xfrm>
           <a:prstGeom prst="straightConnector1">
@@ -4645,7 +4276,7 @@
         </p:nvCxnSpPr>
         <p:spPr>
           <a:xfrm>
-            <a:off x="7926248" y="5051837"/>
+            <a:off x="6703464" y="2572356"/>
             <a:ext cx="899700" cy="0"/>
           </a:xfrm>
           <a:prstGeom prst="straightConnector1">
@@ -4684,7 +4315,7 @@
         </p:nvSpPr>
         <p:spPr>
           <a:xfrm>
-            <a:off x="4818182" y="166524"/>
+            <a:off x="3758792" y="2957773"/>
             <a:ext cx="1226618" cy="307777"/>
           </a:xfrm>
           <a:prstGeom prst="rect">
@@ -4693,7 +4324,7 @@
           <a:noFill/>
         </p:spPr>
         <p:txBody>
-          <a:bodyPr wrap="none" rtlCol="0">
+          <a:bodyPr wrap="square" rtlCol="0">
             <a:spAutoFit/>
           </a:bodyPr>
           <a:lstStyle/>
@@ -4722,7 +4353,7 @@
         </p:nvSpPr>
         <p:spPr>
           <a:xfrm>
-            <a:off x="4818182" y="2728222"/>
+            <a:off x="3595398" y="248742"/>
             <a:ext cx="1226618" cy="307777"/>
           </a:xfrm>
           <a:prstGeom prst="rect">
@@ -4761,9 +4392,9 @@
           <p:nvPr/>
         </p:nvCxnSpPr>
         <p:spPr>
-          <a:xfrm>
-            <a:off x="6039376" y="334535"/>
-            <a:ext cx="972360" cy="0"/>
+          <a:xfrm flipV="1">
+            <a:off x="4979987" y="3106486"/>
+            <a:ext cx="338773" cy="19296"/>
           </a:xfrm>
           <a:prstGeom prst="straightConnector1">
             <a:avLst/>
@@ -4802,9 +4433,9 @@
           <p:nvPr/>
         </p:nvCxnSpPr>
         <p:spPr>
-          <a:xfrm flipH="1">
-            <a:off x="4238045" y="320412"/>
-            <a:ext cx="580137" cy="0"/>
+          <a:xfrm flipH="1" flipV="1">
+            <a:off x="3059581" y="3088652"/>
+            <a:ext cx="699214" cy="23006"/>
           </a:xfrm>
           <a:prstGeom prst="straightConnector1">
             <a:avLst/>
@@ -4844,7 +4475,7 @@
         </p:nvCxnSpPr>
         <p:spPr>
           <a:xfrm flipH="1">
-            <a:off x="3959532" y="2894809"/>
+            <a:off x="2736749" y="415328"/>
             <a:ext cx="858650" cy="0"/>
           </a:xfrm>
           <a:prstGeom prst="straightConnector1">
@@ -4885,7 +4516,7 @@
         </p:nvCxnSpPr>
         <p:spPr>
           <a:xfrm flipV="1">
-            <a:off x="6042001" y="2882110"/>
+            <a:off x="4819220" y="402629"/>
             <a:ext cx="1126497" cy="14558"/>
           </a:xfrm>
           <a:prstGeom prst="straightConnector1">
@@ -4926,7 +4557,7 @@
 <file path=ppt/theme/theme1.xml><?xml version="1.0" encoding="utf-8"?>
 <a:theme xmlns:a="http://schemas.openxmlformats.org/drawingml/2006/main" name="Office Theme">
   <a:themeElements>
-    <a:clrScheme name="Office">
+    <a:clrScheme name="Office Theme">
       <a:dk1>
         <a:sysClr val="windowText" lastClr="000000"/>
       </a:dk1>
@@ -4964,7 +4595,7 @@
         <a:srgbClr val="954F72"/>
       </a:folHlink>
     </a:clrScheme>
-    <a:fontScheme name="Office">
+    <a:fontScheme name="Office Theme">
       <a:majorFont>
         <a:latin typeface="Calibri Light" panose="020F0302020204030204"/>
         <a:ea typeface=""/>
@@ -4999,23 +4630,6 @@
         <a:font script="Viet" typeface="Times New Roman"/>
         <a:font script="Uigh" typeface="Microsoft Uighur"/>
         <a:font script="Geor" typeface="Sylfaen"/>
-        <a:font script="Armn" typeface="Arial"/>
-        <a:font script="Bugi" typeface="Leelawadee UI"/>
-        <a:font script="Bopo" typeface="Microsoft JhengHei"/>
-        <a:font script="Java" typeface="Javanese Text"/>
-        <a:font script="Lisu" typeface="Segoe UI"/>
-        <a:font script="Mymr" typeface="Myanmar Text"/>
-        <a:font script="Nkoo" typeface="Ebrima"/>
-        <a:font script="Olck" typeface="Nirmala UI"/>
-        <a:font script="Osma" typeface="Ebrima"/>
-        <a:font script="Phag" typeface="Phagspa"/>
-        <a:font script="Syrn" typeface="Estrangelo Edessa"/>
-        <a:font script="Syrj" typeface="Estrangelo Edessa"/>
-        <a:font script="Syre" typeface="Estrangelo Edessa"/>
-        <a:font script="Sora" typeface="Nirmala UI"/>
-        <a:font script="Tale" typeface="Microsoft Tai Le"/>
-        <a:font script="Talu" typeface="Microsoft New Tai Lue"/>
-        <a:font script="Tfng" typeface="Ebrima"/>
       </a:majorFont>
       <a:minorFont>
         <a:latin typeface="Calibri" panose="020F0502020204030204"/>
@@ -5051,26 +4665,9 @@
         <a:font script="Viet" typeface="Arial"/>
         <a:font script="Uigh" typeface="Microsoft Uighur"/>
         <a:font script="Geor" typeface="Sylfaen"/>
-        <a:font script="Armn" typeface="Arial"/>
-        <a:font script="Bugi" typeface="Leelawadee UI"/>
-        <a:font script="Bopo" typeface="Microsoft JhengHei"/>
-        <a:font script="Java" typeface="Javanese Text"/>
-        <a:font script="Lisu" typeface="Segoe UI"/>
-        <a:font script="Mymr" typeface="Myanmar Text"/>
-        <a:font script="Nkoo" typeface="Ebrima"/>
-        <a:font script="Olck" typeface="Nirmala UI"/>
-        <a:font script="Osma" typeface="Ebrima"/>
-        <a:font script="Phag" typeface="Phagspa"/>
-        <a:font script="Syrn" typeface="Estrangelo Edessa"/>
-        <a:font script="Syrj" typeface="Estrangelo Edessa"/>
-        <a:font script="Syre" typeface="Estrangelo Edessa"/>
-        <a:font script="Sora" typeface="Nirmala UI"/>
-        <a:font script="Tale" typeface="Microsoft Tai Le"/>
-        <a:font script="Talu" typeface="Microsoft New Tai Lue"/>
-        <a:font script="Tfng" typeface="Ebrima"/>
       </a:minorFont>
     </a:fontScheme>
-    <a:fmtScheme name="Office">
+    <a:fmtScheme name="Office Theme">
       <a:fillStyleLst>
         <a:solidFill>
           <a:schemeClr val="phClr"/>
@@ -5212,7 +4809,7 @@
   <a:extraClrSchemeLst/>
   <a:extLst>
     <a:ext uri="{05A4C25C-085E-4340-85A3-A5531E510DB2}">
-      <thm15:themeFamily xmlns:thm15="http://schemas.microsoft.com/office/thememl/2012/main" name="Office Theme" id="{62F939B6-93AF-4DB8-9C6B-D6C7DFDC589F}" vid="{4A3C46E8-61CC-4603-A589-7422A47A8E4A}"/>
+      <thm15:themeFamily xmlns:thm15="http://schemas.microsoft.com/office/thememl/2012/main" name="Office 2013 - 2022 Theme" id="{62F939B6-93AF-4DB8-9C6B-D6C7DFDC589F}" vid="{4A3C46E8-61CC-4603-A589-7422A47A8E4A}"/>
     </a:ext>
   </a:extLst>
 </a:theme>

--- a/figures/GunPoint.pptx
+++ b/figures/GunPoint.pptx
@@ -243,7 +243,7 @@
           <a:p>
             <a:fld id="{FA5B3755-7C7B-754F-ACC2-E7D238751182}" type="datetimeFigureOut">
               <a:rPr lang="en-US" smtClean="0"/>
-              <a:t>8/27/25</a:t>
+              <a:t>12/10/25</a:t>
             </a:fld>
             <a:endParaRPr lang="en-US"/>
           </a:p>
@@ -413,7 +413,7 @@
           <a:p>
             <a:fld id="{FA5B3755-7C7B-754F-ACC2-E7D238751182}" type="datetimeFigureOut">
               <a:rPr lang="en-US" smtClean="0"/>
-              <a:t>8/27/25</a:t>
+              <a:t>12/10/25</a:t>
             </a:fld>
             <a:endParaRPr lang="en-US"/>
           </a:p>
@@ -593,7 +593,7 @@
           <a:p>
             <a:fld id="{FA5B3755-7C7B-754F-ACC2-E7D238751182}" type="datetimeFigureOut">
               <a:rPr lang="en-US" smtClean="0"/>
-              <a:t>8/27/25</a:t>
+              <a:t>12/10/25</a:t>
             </a:fld>
             <a:endParaRPr lang="en-US"/>
           </a:p>
@@ -763,7 +763,7 @@
           <a:p>
             <a:fld id="{FA5B3755-7C7B-754F-ACC2-E7D238751182}" type="datetimeFigureOut">
               <a:rPr lang="en-US" smtClean="0"/>
-              <a:t>8/27/25</a:t>
+              <a:t>12/10/25</a:t>
             </a:fld>
             <a:endParaRPr lang="en-US"/>
           </a:p>
@@ -1009,7 +1009,7 @@
           <a:p>
             <a:fld id="{FA5B3755-7C7B-754F-ACC2-E7D238751182}" type="datetimeFigureOut">
               <a:rPr lang="en-US" smtClean="0"/>
-              <a:t>8/27/25</a:t>
+              <a:t>12/10/25</a:t>
             </a:fld>
             <a:endParaRPr lang="en-US"/>
           </a:p>
@@ -1241,7 +1241,7 @@
           <a:p>
             <a:fld id="{FA5B3755-7C7B-754F-ACC2-E7D238751182}" type="datetimeFigureOut">
               <a:rPr lang="en-US" smtClean="0"/>
-              <a:t>8/27/25</a:t>
+              <a:t>12/10/25</a:t>
             </a:fld>
             <a:endParaRPr lang="en-US"/>
           </a:p>
@@ -1608,7 +1608,7 @@
           <a:p>
             <a:fld id="{FA5B3755-7C7B-754F-ACC2-E7D238751182}" type="datetimeFigureOut">
               <a:rPr lang="en-US" smtClean="0"/>
-              <a:t>8/27/25</a:t>
+              <a:t>12/10/25</a:t>
             </a:fld>
             <a:endParaRPr lang="en-US"/>
           </a:p>
@@ -1726,7 +1726,7 @@
           <a:p>
             <a:fld id="{FA5B3755-7C7B-754F-ACC2-E7D238751182}" type="datetimeFigureOut">
               <a:rPr lang="en-US" smtClean="0"/>
-              <a:t>8/27/25</a:t>
+              <a:t>12/10/25</a:t>
             </a:fld>
             <a:endParaRPr lang="en-US"/>
           </a:p>
@@ -1821,7 +1821,7 @@
           <a:p>
             <a:fld id="{FA5B3755-7C7B-754F-ACC2-E7D238751182}" type="datetimeFigureOut">
               <a:rPr lang="en-US" smtClean="0"/>
-              <a:t>8/27/25</a:t>
+              <a:t>12/10/25</a:t>
             </a:fld>
             <a:endParaRPr lang="en-US"/>
           </a:p>
@@ -2098,7 +2098,7 @@
           <a:p>
             <a:fld id="{FA5B3755-7C7B-754F-ACC2-E7D238751182}" type="datetimeFigureOut">
               <a:rPr lang="en-US" smtClean="0"/>
-              <a:t>8/27/25</a:t>
+              <a:t>12/10/25</a:t>
             </a:fld>
             <a:endParaRPr lang="en-US"/>
           </a:p>
@@ -2355,7 +2355,7 @@
           <a:p>
             <a:fld id="{FA5B3755-7C7B-754F-ACC2-E7D238751182}" type="datetimeFigureOut">
               <a:rPr lang="en-US" smtClean="0"/>
-              <a:t>8/27/25</a:t>
+              <a:t>12/10/25</a:t>
             </a:fld>
             <a:endParaRPr lang="en-US"/>
           </a:p>
@@ -2568,7 +2568,7 @@
           <a:p>
             <a:fld id="{FA5B3755-7C7B-754F-ACC2-E7D238751182}" type="datetimeFigureOut">
               <a:rPr lang="en-US" smtClean="0"/>
-              <a:t>8/27/25</a:t>
+              <a:t>12/10/25</a:t>
             </a:fld>
             <a:endParaRPr lang="en-US"/>
           </a:p>
@@ -2995,7 +2995,7 @@
         </p:blipFill>
         <p:spPr>
           <a:xfrm>
-            <a:off x="4637108" y="2813862"/>
+            <a:off x="4637108" y="-11718"/>
             <a:ext cx="3774540" cy="2815927"/>
           </a:xfrm>
           <a:prstGeom prst="rect">
@@ -3025,68 +3025,8 @@
         </p:blipFill>
         <p:spPr>
           <a:xfrm>
-            <a:off x="503940" y="2848710"/>
+            <a:off x="503940" y="23130"/>
             <a:ext cx="3814541" cy="2845768"/>
-          </a:xfrm>
-          <a:prstGeom prst="rect">
-            <a:avLst/>
-          </a:prstGeom>
-        </p:spPr>
-      </p:pic>
-      <p:pic>
-        <p:nvPicPr>
-          <p:cNvPr id="7" name="Picture 6">
-            <a:extLst>
-              <a:ext uri="{FF2B5EF4-FFF2-40B4-BE49-F238E27FC236}">
-                <a16:creationId xmlns:a16="http://schemas.microsoft.com/office/drawing/2014/main" id="{E3CCB731-95B3-9586-585D-69D52B6CEEFF}"/>
-              </a:ext>
-            </a:extLst>
-          </p:cNvPr>
-          <p:cNvPicPr>
-            <a:picLocks noChangeAspect="1"/>
-          </p:cNvPicPr>
-          <p:nvPr/>
-        </p:nvPicPr>
-        <p:blipFill>
-          <a:blip r:embed="rId4"/>
-          <a:stretch>
-            <a:fillRect/>
-          </a:stretch>
-        </p:blipFill>
-        <p:spPr>
-          <a:xfrm>
-            <a:off x="485901" y="68363"/>
-            <a:ext cx="3886200" cy="2899229"/>
-          </a:xfrm>
-          <a:prstGeom prst="rect">
-            <a:avLst/>
-          </a:prstGeom>
-        </p:spPr>
-      </p:pic>
-      <p:pic>
-        <p:nvPicPr>
-          <p:cNvPr id="8" name="Picture 7">
-            <a:extLst>
-              <a:ext uri="{FF2B5EF4-FFF2-40B4-BE49-F238E27FC236}">
-                <a16:creationId xmlns:a16="http://schemas.microsoft.com/office/drawing/2014/main" id="{F1B3B94E-CD3C-2F6F-07C5-BA57EB47B4F1}"/>
-              </a:ext>
-            </a:extLst>
-          </p:cNvPr>
-          <p:cNvPicPr>
-            <a:picLocks noChangeAspect="1"/>
-          </p:cNvPicPr>
-          <p:nvPr/>
-        </p:nvPicPr>
-        <p:blipFill>
-          <a:blip r:embed="rId5"/>
-          <a:stretch>
-            <a:fillRect/>
-          </a:stretch>
-        </p:blipFill>
-        <p:spPr>
-          <a:xfrm>
-            <a:off x="4389892" y="0"/>
-            <a:ext cx="4008378" cy="2990377"/>
           </a:xfrm>
           <a:prstGeom prst="rect">
             <a:avLst/>
@@ -3107,7 +3047,7 @@
         </p:nvSpPr>
         <p:spPr>
           <a:xfrm>
-            <a:off x="2013186" y="3628232"/>
+            <a:off x="2013186" y="802652"/>
             <a:ext cx="732893" cy="307777"/>
           </a:xfrm>
           <a:prstGeom prst="rect">
@@ -3145,7 +3085,7 @@
         </p:nvSpPr>
         <p:spPr>
           <a:xfrm>
-            <a:off x="1635982" y="5194552"/>
+            <a:off x="1635982" y="2368972"/>
             <a:ext cx="1053494" cy="307777"/>
           </a:xfrm>
           <a:prstGeom prst="rect">
@@ -3185,7 +3125,7 @@
         </p:nvCxnSpPr>
         <p:spPr>
           <a:xfrm flipV="1">
-            <a:off x="2379631" y="3177418"/>
+            <a:off x="2379631" y="351838"/>
             <a:ext cx="0" cy="403860"/>
           </a:xfrm>
           <a:prstGeom prst="straightConnector1">
@@ -3224,7 +3164,7 @@
         </p:nvSpPr>
         <p:spPr>
           <a:xfrm>
-            <a:off x="6065275" y="3544646"/>
+            <a:off x="6065275" y="719066"/>
             <a:ext cx="792205" cy="307777"/>
           </a:xfrm>
           <a:prstGeom prst="rect">
@@ -3264,7 +3204,7 @@
         </p:nvCxnSpPr>
         <p:spPr>
           <a:xfrm flipH="1">
-            <a:off x="1162194" y="5348439"/>
+            <a:off x="1162194" y="2522859"/>
             <a:ext cx="501038" cy="0"/>
           </a:xfrm>
           <a:prstGeom prst="straightConnector1">
@@ -3303,7 +3243,7 @@
         </p:nvSpPr>
         <p:spPr>
           <a:xfrm>
-            <a:off x="5696453" y="5232330"/>
+            <a:off x="5696453" y="2406750"/>
             <a:ext cx="1053494" cy="307777"/>
           </a:xfrm>
           <a:prstGeom prst="rect">
@@ -3343,7 +3283,7 @@
         </p:nvCxnSpPr>
         <p:spPr>
           <a:xfrm flipH="1" flipV="1">
-            <a:off x="5381877" y="5348439"/>
+            <a:off x="5381877" y="2522859"/>
             <a:ext cx="381869" cy="53018"/>
           </a:xfrm>
           <a:prstGeom prst="straightConnector1">
@@ -3384,7 +3324,7 @@
         </p:nvCxnSpPr>
         <p:spPr>
           <a:xfrm flipV="1">
-            <a:off x="6402141" y="3160092"/>
+            <a:off x="6402141" y="334512"/>
             <a:ext cx="0" cy="403860"/>
           </a:xfrm>
           <a:prstGeom prst="straightConnector1">
@@ -3423,7 +3363,7 @@
         </p:nvSpPr>
         <p:spPr>
           <a:xfrm>
-            <a:off x="-51487" y="4138762"/>
+            <a:off x="-51487" y="1313182"/>
             <a:ext cx="1413736" cy="523220"/>
           </a:xfrm>
           <a:prstGeom prst="rect">
@@ -3461,7 +3401,7 @@
         </p:nvSpPr>
         <p:spPr>
           <a:xfrm>
-            <a:off x="0" y="3563952"/>
+            <a:off x="0" y="738372"/>
             <a:ext cx="1699682" cy="523220"/>
           </a:xfrm>
           <a:prstGeom prst="rect">
@@ -3501,7 +3441,7 @@
         </p:nvCxnSpPr>
         <p:spPr>
           <a:xfrm>
-            <a:off x="1297319" y="3847609"/>
+            <a:off x="1297319" y="1022029"/>
             <a:ext cx="204907" cy="868646"/>
           </a:xfrm>
           <a:prstGeom prst="straightConnector1">
@@ -3542,265 +3482,13 @@
         </p:nvCxnSpPr>
         <p:spPr>
           <a:xfrm>
-            <a:off x="1201745" y="4541742"/>
+            <a:off x="1201745" y="1716162"/>
             <a:ext cx="24163" cy="407252"/>
           </a:xfrm>
           <a:prstGeom prst="straightConnector1">
             <a:avLst/>
           </a:prstGeom>
           <a:ln>
-            <a:tailEnd type="triangle"/>
-          </a:ln>
-        </p:spPr>
-        <p:style>
-          <a:lnRef idx="1">
-            <a:schemeClr val="dk1"/>
-          </a:lnRef>
-          <a:fillRef idx="0">
-            <a:schemeClr val="dk1"/>
-          </a:fillRef>
-          <a:effectRef idx="0">
-            <a:schemeClr val="dk1"/>
-          </a:effectRef>
-          <a:fontRef idx="minor">
-            <a:schemeClr val="tx1"/>
-          </a:fontRef>
-        </p:style>
-      </p:cxnSp>
-      <p:sp>
-        <p:nvSpPr>
-          <p:cNvPr id="43" name="TextBox 42">
-            <a:extLst>
-              <a:ext uri="{FF2B5EF4-FFF2-40B4-BE49-F238E27FC236}">
-                <a16:creationId xmlns:a16="http://schemas.microsoft.com/office/drawing/2014/main" id="{2EEA487F-9B19-5B30-A2AE-0714B6B4FF11}"/>
-              </a:ext>
-            </a:extLst>
-          </p:cNvPr>
-          <p:cNvSpPr txBox="1"/>
-          <p:nvPr/>
-        </p:nvSpPr>
-        <p:spPr>
-          <a:xfrm>
-            <a:off x="0" y="1881131"/>
-            <a:ext cx="1413736" cy="523220"/>
-          </a:xfrm>
-          <a:prstGeom prst="rect">
-            <a:avLst/>
-          </a:prstGeom>
-          <a:noFill/>
-        </p:spPr>
-        <p:txBody>
-          <a:bodyPr wrap="square" rtlCol="0">
-            <a:spAutoFit/>
-          </a:bodyPr>
-          <a:lstStyle/>
-          <a:p>
-            <a:r>
-              <a:rPr lang="en-US" sz="1400" dirty="0">
-                <a:latin typeface="Times New Roman" panose="02020603050405020304" pitchFamily="18" charset="0"/>
-                <a:cs typeface="Times New Roman" panose="02020603050405020304" pitchFamily="18" charset="0"/>
-              </a:rPr>
-              <a:t>Hand moving above the holster</a:t>
-            </a:r>
-          </a:p>
-        </p:txBody>
-      </p:sp>
-      <p:sp>
-        <p:nvSpPr>
-          <p:cNvPr id="44" name="TextBox 43">
-            <a:extLst>
-              <a:ext uri="{FF2B5EF4-FFF2-40B4-BE49-F238E27FC236}">
-                <a16:creationId xmlns:a16="http://schemas.microsoft.com/office/drawing/2014/main" id="{A63D56A6-0692-3357-68C6-15A285FA4431}"/>
-              </a:ext>
-            </a:extLst>
-          </p:cNvPr>
-          <p:cNvSpPr txBox="1"/>
-          <p:nvPr/>
-        </p:nvSpPr>
-        <p:spPr>
-          <a:xfrm>
-            <a:off x="0" y="1280967"/>
-            <a:ext cx="1699682" cy="523220"/>
-          </a:xfrm>
-          <a:prstGeom prst="rect">
-            <a:avLst/>
-          </a:prstGeom>
-          <a:noFill/>
-        </p:spPr>
-        <p:txBody>
-          <a:bodyPr wrap="square" rtlCol="0">
-            <a:spAutoFit/>
-          </a:bodyPr>
-          <a:lstStyle/>
-          <a:p>
-            <a:r>
-              <a:rPr lang="en-US" sz="1400" dirty="0">
-                <a:latin typeface="Times New Roman" panose="02020603050405020304" pitchFamily="18" charset="0"/>
-                <a:cs typeface="Times New Roman" panose="02020603050405020304" pitchFamily="18" charset="0"/>
-              </a:rPr>
-              <a:t>Hand moving down to grasp the gun</a:t>
-            </a:r>
-          </a:p>
-        </p:txBody>
-      </p:sp>
-      <p:cxnSp>
-        <p:nvCxnSpPr>
-          <p:cNvPr id="45" name="Straight Arrow Connector 44">
-            <a:extLst>
-              <a:ext uri="{FF2B5EF4-FFF2-40B4-BE49-F238E27FC236}">
-                <a16:creationId xmlns:a16="http://schemas.microsoft.com/office/drawing/2014/main" id="{EFDC0179-7D7C-878C-2555-E7B3A9801FFF}"/>
-              </a:ext>
-            </a:extLst>
-          </p:cNvPr>
-          <p:cNvCxnSpPr>
-            <a:cxnSpLocks/>
-          </p:cNvCxnSpPr>
-          <p:nvPr/>
-        </p:nvCxnSpPr>
-        <p:spPr>
-          <a:xfrm>
-            <a:off x="1070891" y="1804189"/>
-            <a:ext cx="329203" cy="757509"/>
-          </a:xfrm>
-          <a:prstGeom prst="straightConnector1">
-            <a:avLst/>
-          </a:prstGeom>
-          <a:ln>
-            <a:solidFill>
-              <a:srgbClr val="FF0000"/>
-            </a:solidFill>
-            <a:tailEnd type="triangle"/>
-          </a:ln>
-        </p:spPr>
-        <p:style>
-          <a:lnRef idx="1">
-            <a:schemeClr val="dk1"/>
-          </a:lnRef>
-          <a:fillRef idx="0">
-            <a:schemeClr val="dk1"/>
-          </a:fillRef>
-          <a:effectRef idx="0">
-            <a:schemeClr val="dk1"/>
-          </a:effectRef>
-          <a:fontRef idx="minor">
-            <a:schemeClr val="tx1"/>
-          </a:fontRef>
-        </p:style>
-      </p:cxnSp>
-      <p:cxnSp>
-        <p:nvCxnSpPr>
-          <p:cNvPr id="46" name="Straight Arrow Connector 45">
-            <a:extLst>
-              <a:ext uri="{FF2B5EF4-FFF2-40B4-BE49-F238E27FC236}">
-                <a16:creationId xmlns:a16="http://schemas.microsoft.com/office/drawing/2014/main" id="{C00B8F9F-1BDC-5302-32C2-738A213388F7}"/>
-              </a:ext>
-            </a:extLst>
-          </p:cNvPr>
-          <p:cNvCxnSpPr>
-            <a:cxnSpLocks/>
-          </p:cNvCxnSpPr>
-          <p:nvPr/>
-        </p:nvCxnSpPr>
-        <p:spPr>
-          <a:xfrm>
-            <a:off x="1131714" y="2330298"/>
-            <a:ext cx="110393" cy="231398"/>
-          </a:xfrm>
-          <a:prstGeom prst="straightConnector1">
-            <a:avLst/>
-          </a:prstGeom>
-          <a:ln>
-            <a:solidFill>
-              <a:srgbClr val="FF0000"/>
-            </a:solidFill>
-            <a:tailEnd type="triangle"/>
-          </a:ln>
-        </p:spPr>
-        <p:style>
-          <a:lnRef idx="1">
-            <a:schemeClr val="dk1"/>
-          </a:lnRef>
-          <a:fillRef idx="0">
-            <a:schemeClr val="dk1"/>
-          </a:fillRef>
-          <a:effectRef idx="0">
-            <a:schemeClr val="dk1"/>
-          </a:effectRef>
-          <a:fontRef idx="minor">
-            <a:schemeClr val="tx1"/>
-          </a:fontRef>
-        </p:style>
-      </p:cxnSp>
-      <p:cxnSp>
-        <p:nvCxnSpPr>
-          <p:cNvPr id="50" name="Straight Arrow Connector 49">
-            <a:extLst>
-              <a:ext uri="{FF2B5EF4-FFF2-40B4-BE49-F238E27FC236}">
-                <a16:creationId xmlns:a16="http://schemas.microsoft.com/office/drawing/2014/main" id="{282B84D4-591D-3A7C-151D-11CAD3E4B7D5}"/>
-              </a:ext>
-            </a:extLst>
-          </p:cNvPr>
-          <p:cNvCxnSpPr>
-            <a:cxnSpLocks/>
-          </p:cNvCxnSpPr>
-          <p:nvPr/>
-        </p:nvCxnSpPr>
-        <p:spPr>
-          <a:xfrm>
-            <a:off x="1162194" y="2089645"/>
-            <a:ext cx="406155" cy="314706"/>
-          </a:xfrm>
-          <a:prstGeom prst="straightConnector1">
-            <a:avLst/>
-          </a:prstGeom>
-          <a:ln>
-            <a:solidFill>
-              <a:srgbClr val="0070C0"/>
-            </a:solidFill>
-            <a:tailEnd type="triangle"/>
-          </a:ln>
-        </p:spPr>
-        <p:style>
-          <a:lnRef idx="1">
-            <a:schemeClr val="dk1"/>
-          </a:lnRef>
-          <a:fillRef idx="0">
-            <a:schemeClr val="dk1"/>
-          </a:fillRef>
-          <a:effectRef idx="0">
-            <a:schemeClr val="dk1"/>
-          </a:effectRef>
-          <a:fontRef idx="minor">
-            <a:schemeClr val="tx1"/>
-          </a:fontRef>
-        </p:style>
-      </p:cxnSp>
-      <p:cxnSp>
-        <p:nvCxnSpPr>
-          <p:cNvPr id="53" name="Straight Arrow Connector 52">
-            <a:extLst>
-              <a:ext uri="{FF2B5EF4-FFF2-40B4-BE49-F238E27FC236}">
-                <a16:creationId xmlns:a16="http://schemas.microsoft.com/office/drawing/2014/main" id="{F30070C6-0303-FB4B-F908-1A810AECD49F}"/>
-              </a:ext>
-            </a:extLst>
-          </p:cNvPr>
-          <p:cNvCxnSpPr>
-            <a:cxnSpLocks/>
-          </p:cNvCxnSpPr>
-          <p:nvPr/>
-        </p:nvCxnSpPr>
-        <p:spPr>
-          <a:xfrm>
-            <a:off x="1288217" y="1617897"/>
-            <a:ext cx="347765" cy="732969"/>
-          </a:xfrm>
-          <a:prstGeom prst="straightConnector1">
-            <a:avLst/>
-          </a:prstGeom>
-          <a:ln>
-            <a:solidFill>
-              <a:srgbClr val="0070C0"/>
-            </a:solidFill>
             <a:tailEnd type="triangle"/>
           </a:ln>
         </p:spPr>
@@ -3836,7 +3524,7 @@
         </p:nvCxnSpPr>
         <p:spPr>
           <a:xfrm>
-            <a:off x="2689476" y="5348441"/>
+            <a:off x="2689476" y="2522861"/>
             <a:ext cx="997667" cy="52532"/>
           </a:xfrm>
           <a:prstGeom prst="straightConnector1">
@@ -3877,7 +3565,7 @@
         </p:nvCxnSpPr>
         <p:spPr>
           <a:xfrm flipV="1">
-            <a:off x="6711956" y="5386219"/>
+            <a:off x="6711956" y="2560639"/>
             <a:ext cx="281903" cy="10658"/>
           </a:xfrm>
           <a:prstGeom prst="straightConnector1">
@@ -3904,405 +3592,6 @@
       </p:cxnSp>
       <p:sp>
         <p:nvSpPr>
-          <p:cNvPr id="64" name="TextBox 63">
-            <a:extLst>
-              <a:ext uri="{FF2B5EF4-FFF2-40B4-BE49-F238E27FC236}">
-                <a16:creationId xmlns:a16="http://schemas.microsoft.com/office/drawing/2014/main" id="{08562C6B-AC70-4E78-2C73-5CCE6061CB25}"/>
-              </a:ext>
-            </a:extLst>
-          </p:cNvPr>
-          <p:cNvSpPr txBox="1"/>
-          <p:nvPr/>
-        </p:nvSpPr>
-        <p:spPr>
-          <a:xfrm>
-            <a:off x="2003858" y="949919"/>
-            <a:ext cx="732893" cy="307777"/>
-          </a:xfrm>
-          <a:prstGeom prst="rect">
-            <a:avLst/>
-          </a:prstGeom>
-          <a:noFill/>
-        </p:spPr>
-        <p:txBody>
-          <a:bodyPr wrap="none" rtlCol="0">
-            <a:spAutoFit/>
-          </a:bodyPr>
-          <a:lstStyle/>
-          <a:p>
-            <a:r>
-              <a:rPr lang="en-US" sz="1400" dirty="0">
-                <a:latin typeface="Times New Roman" panose="02020603050405020304" pitchFamily="18" charset="0"/>
-                <a:cs typeface="Times New Roman" panose="02020603050405020304" pitchFamily="18" charset="0"/>
-              </a:rPr>
-              <a:t>Aiming</a:t>
-            </a:r>
-          </a:p>
-        </p:txBody>
-      </p:sp>
-      <p:cxnSp>
-        <p:nvCxnSpPr>
-          <p:cNvPr id="65" name="Straight Arrow Connector 64">
-            <a:extLst>
-              <a:ext uri="{FF2B5EF4-FFF2-40B4-BE49-F238E27FC236}">
-                <a16:creationId xmlns:a16="http://schemas.microsoft.com/office/drawing/2014/main" id="{9CF80665-DCF6-BBC2-7D3B-099EBDF6F21A}"/>
-              </a:ext>
-            </a:extLst>
-          </p:cNvPr>
-          <p:cNvCxnSpPr>
-            <a:cxnSpLocks/>
-          </p:cNvCxnSpPr>
-          <p:nvPr/>
-        </p:nvCxnSpPr>
-        <p:spPr>
-          <a:xfrm flipV="1">
-            <a:off x="2370302" y="499106"/>
-            <a:ext cx="0" cy="403860"/>
-          </a:xfrm>
-          <a:prstGeom prst="straightConnector1">
-            <a:avLst/>
-          </a:prstGeom>
-          <a:ln>
-            <a:tailEnd type="triangle"/>
-          </a:ln>
-        </p:spPr>
-        <p:style>
-          <a:lnRef idx="1">
-            <a:schemeClr val="dk1"/>
-          </a:lnRef>
-          <a:fillRef idx="0">
-            <a:schemeClr val="dk1"/>
-          </a:fillRef>
-          <a:effectRef idx="0">
-            <a:schemeClr val="dk1"/>
-          </a:effectRef>
-          <a:fontRef idx="minor">
-            <a:schemeClr val="tx1"/>
-          </a:fontRef>
-        </p:style>
-      </p:cxnSp>
-      <p:sp>
-        <p:nvSpPr>
-          <p:cNvPr id="66" name="TextBox 65">
-            <a:extLst>
-              <a:ext uri="{FF2B5EF4-FFF2-40B4-BE49-F238E27FC236}">
-                <a16:creationId xmlns:a16="http://schemas.microsoft.com/office/drawing/2014/main" id="{F5810FDB-8FBA-22D3-E34C-AC7B7BA51546}"/>
-              </a:ext>
-            </a:extLst>
-          </p:cNvPr>
-          <p:cNvSpPr txBox="1"/>
-          <p:nvPr/>
-        </p:nvSpPr>
-        <p:spPr>
-          <a:xfrm>
-            <a:off x="5945716" y="902967"/>
-            <a:ext cx="792205" cy="307777"/>
-          </a:xfrm>
-          <a:prstGeom prst="rect">
-            <a:avLst/>
-          </a:prstGeom>
-          <a:noFill/>
-        </p:spPr>
-        <p:txBody>
-          <a:bodyPr wrap="none" rtlCol="0">
-            <a:spAutoFit/>
-          </a:bodyPr>
-          <a:lstStyle/>
-          <a:p>
-            <a:r>
-              <a:rPr lang="en-US" sz="1400" dirty="0">
-                <a:latin typeface="Times New Roman" panose="02020603050405020304" pitchFamily="18" charset="0"/>
-                <a:cs typeface="Times New Roman" panose="02020603050405020304" pitchFamily="18" charset="0"/>
-              </a:rPr>
-              <a:t>Pointing</a:t>
-            </a:r>
-          </a:p>
-        </p:txBody>
-      </p:sp>
-      <p:cxnSp>
-        <p:nvCxnSpPr>
-          <p:cNvPr id="67" name="Straight Arrow Connector 66">
-            <a:extLst>
-              <a:ext uri="{FF2B5EF4-FFF2-40B4-BE49-F238E27FC236}">
-                <a16:creationId xmlns:a16="http://schemas.microsoft.com/office/drawing/2014/main" id="{25FEC871-042E-C647-233D-3905200B7892}"/>
-              </a:ext>
-            </a:extLst>
-          </p:cNvPr>
-          <p:cNvCxnSpPr>
-            <a:cxnSpLocks/>
-          </p:cNvCxnSpPr>
-          <p:nvPr/>
-        </p:nvCxnSpPr>
-        <p:spPr>
-          <a:xfrm flipV="1">
-            <a:off x="6312161" y="518414"/>
-            <a:ext cx="0" cy="403860"/>
-          </a:xfrm>
-          <a:prstGeom prst="straightConnector1">
-            <a:avLst/>
-          </a:prstGeom>
-          <a:ln>
-            <a:tailEnd type="triangle"/>
-          </a:ln>
-        </p:spPr>
-        <p:style>
-          <a:lnRef idx="1">
-            <a:schemeClr val="dk1"/>
-          </a:lnRef>
-          <a:fillRef idx="0">
-            <a:schemeClr val="dk1"/>
-          </a:fillRef>
-          <a:effectRef idx="0">
-            <a:schemeClr val="dk1"/>
-          </a:effectRef>
-          <a:fontRef idx="minor">
-            <a:schemeClr val="tx1"/>
-          </a:fontRef>
-        </p:style>
-      </p:cxnSp>
-      <p:sp>
-        <p:nvSpPr>
-          <p:cNvPr id="69" name="TextBox 68">
-            <a:extLst>
-              <a:ext uri="{FF2B5EF4-FFF2-40B4-BE49-F238E27FC236}">
-                <a16:creationId xmlns:a16="http://schemas.microsoft.com/office/drawing/2014/main" id="{91CB95E3-8BFD-A476-ABC8-2E5FE2112319}"/>
-              </a:ext>
-            </a:extLst>
-          </p:cNvPr>
-          <p:cNvSpPr txBox="1"/>
-          <p:nvPr/>
-        </p:nvSpPr>
-        <p:spPr>
-          <a:xfrm>
-            <a:off x="1733302" y="2561698"/>
-            <a:ext cx="1053494" cy="307777"/>
-          </a:xfrm>
-          <a:prstGeom prst="rect">
-            <a:avLst/>
-          </a:prstGeom>
-          <a:noFill/>
-        </p:spPr>
-        <p:txBody>
-          <a:bodyPr wrap="square" rtlCol="0">
-            <a:spAutoFit/>
-          </a:bodyPr>
-          <a:lstStyle/>
-          <a:p>
-            <a:r>
-              <a:rPr lang="en-US" sz="1400" dirty="0">
-                <a:latin typeface="Times New Roman" panose="02020603050405020304" pitchFamily="18" charset="0"/>
-                <a:cs typeface="Times New Roman" panose="02020603050405020304" pitchFamily="18" charset="0"/>
-              </a:rPr>
-              <a:t>Hand at rest</a:t>
-            </a:r>
-          </a:p>
-        </p:txBody>
-      </p:sp>
-      <p:cxnSp>
-        <p:nvCxnSpPr>
-          <p:cNvPr id="70" name="Straight Arrow Connector 69">
-            <a:extLst>
-              <a:ext uri="{FF2B5EF4-FFF2-40B4-BE49-F238E27FC236}">
-                <a16:creationId xmlns:a16="http://schemas.microsoft.com/office/drawing/2014/main" id="{23142C31-2C3A-EE25-C328-4F529DBA7993}"/>
-              </a:ext>
-            </a:extLst>
-          </p:cNvPr>
-          <p:cNvCxnSpPr>
-            <a:cxnSpLocks/>
-          </p:cNvCxnSpPr>
-          <p:nvPr/>
-        </p:nvCxnSpPr>
-        <p:spPr>
-          <a:xfrm flipH="1" flipV="1">
-            <a:off x="1413736" y="2649112"/>
-            <a:ext cx="346814" cy="66475"/>
-          </a:xfrm>
-          <a:prstGeom prst="straightConnector1">
-            <a:avLst/>
-          </a:prstGeom>
-          <a:ln>
-            <a:tailEnd type="triangle"/>
-          </a:ln>
-        </p:spPr>
-        <p:style>
-          <a:lnRef idx="1">
-            <a:schemeClr val="dk1"/>
-          </a:lnRef>
-          <a:fillRef idx="0">
-            <a:schemeClr val="dk1"/>
-          </a:fillRef>
-          <a:effectRef idx="0">
-            <a:schemeClr val="dk1"/>
-          </a:effectRef>
-          <a:fontRef idx="minor">
-            <a:schemeClr val="tx1"/>
-          </a:fontRef>
-        </p:style>
-      </p:cxnSp>
-      <p:cxnSp>
-        <p:nvCxnSpPr>
-          <p:cNvPr id="71" name="Straight Arrow Connector 70">
-            <a:extLst>
-              <a:ext uri="{FF2B5EF4-FFF2-40B4-BE49-F238E27FC236}">
-                <a16:creationId xmlns:a16="http://schemas.microsoft.com/office/drawing/2014/main" id="{7CE8107B-2D26-598E-BC7F-4DC935965BB1}"/>
-              </a:ext>
-            </a:extLst>
-          </p:cNvPr>
-          <p:cNvCxnSpPr>
-            <a:cxnSpLocks/>
-            <a:stCxn id="69" idx="3"/>
-          </p:cNvCxnSpPr>
-          <p:nvPr/>
-        </p:nvCxnSpPr>
-        <p:spPr>
-          <a:xfrm>
-            <a:off x="2786796" y="2715587"/>
-            <a:ext cx="697592" cy="1"/>
-          </a:xfrm>
-          <a:prstGeom prst="straightConnector1">
-            <a:avLst/>
-          </a:prstGeom>
-          <a:ln>
-            <a:tailEnd type="triangle"/>
-          </a:ln>
-        </p:spPr>
-        <p:style>
-          <a:lnRef idx="1">
-            <a:schemeClr val="dk1"/>
-          </a:lnRef>
-          <a:fillRef idx="0">
-            <a:schemeClr val="dk1"/>
-          </a:fillRef>
-          <a:effectRef idx="0">
-            <a:schemeClr val="dk1"/>
-          </a:effectRef>
-          <a:fontRef idx="minor">
-            <a:schemeClr val="tx1"/>
-          </a:fontRef>
-        </p:style>
-      </p:cxnSp>
-      <p:sp>
-        <p:nvSpPr>
-          <p:cNvPr id="75" name="TextBox 74">
-            <a:extLst>
-              <a:ext uri="{FF2B5EF4-FFF2-40B4-BE49-F238E27FC236}">
-                <a16:creationId xmlns:a16="http://schemas.microsoft.com/office/drawing/2014/main" id="{2476B274-B3A8-29C4-9CDD-BE49A941C403}"/>
-              </a:ext>
-            </a:extLst>
-          </p:cNvPr>
-          <p:cNvSpPr txBox="1"/>
-          <p:nvPr/>
-        </p:nvSpPr>
-        <p:spPr>
-          <a:xfrm>
-            <a:off x="5687962" y="2407810"/>
-            <a:ext cx="1053494" cy="307777"/>
-          </a:xfrm>
-          <a:prstGeom prst="rect">
-            <a:avLst/>
-          </a:prstGeom>
-          <a:noFill/>
-        </p:spPr>
-        <p:txBody>
-          <a:bodyPr wrap="square" rtlCol="0">
-            <a:spAutoFit/>
-          </a:bodyPr>
-          <a:lstStyle/>
-          <a:p>
-            <a:r>
-              <a:rPr lang="en-US" sz="1400" dirty="0">
-                <a:latin typeface="Times New Roman" panose="02020603050405020304" pitchFamily="18" charset="0"/>
-                <a:cs typeface="Times New Roman" panose="02020603050405020304" pitchFamily="18" charset="0"/>
-              </a:rPr>
-              <a:t>Hand at rest</a:t>
-            </a:r>
-          </a:p>
-        </p:txBody>
-      </p:sp>
-      <p:cxnSp>
-        <p:nvCxnSpPr>
-          <p:cNvPr id="76" name="Straight Arrow Connector 75">
-            <a:extLst>
-              <a:ext uri="{FF2B5EF4-FFF2-40B4-BE49-F238E27FC236}">
-                <a16:creationId xmlns:a16="http://schemas.microsoft.com/office/drawing/2014/main" id="{2CDD2DCA-485B-81A9-B167-09CDF8BE37B3}"/>
-              </a:ext>
-            </a:extLst>
-          </p:cNvPr>
-          <p:cNvCxnSpPr>
-            <a:cxnSpLocks/>
-          </p:cNvCxnSpPr>
-          <p:nvPr/>
-        </p:nvCxnSpPr>
-        <p:spPr>
-          <a:xfrm flipH="1">
-            <a:off x="5209824" y="2576936"/>
-            <a:ext cx="545433" cy="0"/>
-          </a:xfrm>
-          <a:prstGeom prst="straightConnector1">
-            <a:avLst/>
-          </a:prstGeom>
-          <a:ln>
-            <a:tailEnd type="triangle"/>
-          </a:ln>
-        </p:spPr>
-        <p:style>
-          <a:lnRef idx="1">
-            <a:schemeClr val="dk1"/>
-          </a:lnRef>
-          <a:fillRef idx="0">
-            <a:schemeClr val="dk1"/>
-          </a:fillRef>
-          <a:effectRef idx="0">
-            <a:schemeClr val="dk1"/>
-          </a:effectRef>
-          <a:fontRef idx="minor">
-            <a:schemeClr val="tx1"/>
-          </a:fontRef>
-        </p:style>
-      </p:cxnSp>
-      <p:cxnSp>
-        <p:nvCxnSpPr>
-          <p:cNvPr id="77" name="Straight Arrow Connector 76">
-            <a:extLst>
-              <a:ext uri="{FF2B5EF4-FFF2-40B4-BE49-F238E27FC236}">
-                <a16:creationId xmlns:a16="http://schemas.microsoft.com/office/drawing/2014/main" id="{7F8A5ACB-00F5-E544-09B2-DED8FD598FAD}"/>
-              </a:ext>
-            </a:extLst>
-          </p:cNvPr>
-          <p:cNvCxnSpPr>
-            <a:cxnSpLocks/>
-          </p:cNvCxnSpPr>
-          <p:nvPr/>
-        </p:nvCxnSpPr>
-        <p:spPr>
-          <a:xfrm>
-            <a:off x="6703464" y="2572356"/>
-            <a:ext cx="899700" cy="0"/>
-          </a:xfrm>
-          <a:prstGeom prst="straightConnector1">
-            <a:avLst/>
-          </a:prstGeom>
-          <a:ln>
-            <a:tailEnd type="triangle"/>
-          </a:ln>
-        </p:spPr>
-        <p:style>
-          <a:lnRef idx="1">
-            <a:schemeClr val="dk1"/>
-          </a:lnRef>
-          <a:fillRef idx="0">
-            <a:schemeClr val="dk1"/>
-          </a:fillRef>
-          <a:effectRef idx="0">
-            <a:schemeClr val="dk1"/>
-          </a:effectRef>
-          <a:fontRef idx="minor">
-            <a:schemeClr val="tx1"/>
-          </a:fontRef>
-        </p:style>
-      </p:cxnSp>
-      <p:sp>
-        <p:nvSpPr>
           <p:cNvPr id="82" name="TextBox 81">
             <a:extLst>
               <a:ext uri="{FF2B5EF4-FFF2-40B4-BE49-F238E27FC236}">
@@ -4315,7 +3604,7 @@
         </p:nvSpPr>
         <p:spPr>
           <a:xfrm>
-            <a:off x="3758792" y="2957773"/>
+            <a:off x="3758792" y="132193"/>
             <a:ext cx="1226618" cy="307777"/>
           </a:xfrm>
           <a:prstGeom prst="rect">
@@ -4325,44 +3614,6 @@
         </p:spPr>
         <p:txBody>
           <a:bodyPr wrap="square" rtlCol="0">
-            <a:spAutoFit/>
-          </a:bodyPr>
-          <a:lstStyle/>
-          <a:p>
-            <a:r>
-              <a:rPr lang="en-US" sz="1400" dirty="0">
-                <a:latin typeface="Times New Roman" panose="02020603050405020304" pitchFamily="18" charset="0"/>
-                <a:cs typeface="Times New Roman" panose="02020603050405020304" pitchFamily="18" charset="0"/>
-              </a:rPr>
-              <a:t>Shoulder level</a:t>
-            </a:r>
-          </a:p>
-        </p:txBody>
-      </p:sp>
-      <p:sp>
-        <p:nvSpPr>
-          <p:cNvPr id="83" name="TextBox 82">
-            <a:extLst>
-              <a:ext uri="{FF2B5EF4-FFF2-40B4-BE49-F238E27FC236}">
-                <a16:creationId xmlns:a16="http://schemas.microsoft.com/office/drawing/2014/main" id="{9823590E-55B2-D7F6-92AD-4DEC846D397E}"/>
-              </a:ext>
-            </a:extLst>
-          </p:cNvPr>
-          <p:cNvSpPr txBox="1"/>
-          <p:nvPr/>
-        </p:nvSpPr>
-        <p:spPr>
-          <a:xfrm>
-            <a:off x="3595398" y="248742"/>
-            <a:ext cx="1226618" cy="307777"/>
-          </a:xfrm>
-          <a:prstGeom prst="rect">
-            <a:avLst/>
-          </a:prstGeom>
-          <a:noFill/>
-        </p:spPr>
-        <p:txBody>
-          <a:bodyPr wrap="none" rtlCol="0">
             <a:spAutoFit/>
           </a:bodyPr>
           <a:lstStyle/>
@@ -4393,7 +3644,7 @@
         </p:nvCxnSpPr>
         <p:spPr>
           <a:xfrm flipV="1">
-            <a:off x="4979987" y="3106486"/>
+            <a:off x="4979987" y="280906"/>
             <a:ext cx="338773" cy="19296"/>
           </a:xfrm>
           <a:prstGeom prst="straightConnector1">
@@ -4434,90 +3685,8 @@
         </p:nvCxnSpPr>
         <p:spPr>
           <a:xfrm flipH="1" flipV="1">
-            <a:off x="3059581" y="3088652"/>
+            <a:off x="3059581" y="263072"/>
             <a:ext cx="699214" cy="23006"/>
-          </a:xfrm>
-          <a:prstGeom prst="straightConnector1">
-            <a:avLst/>
-          </a:prstGeom>
-          <a:ln>
-            <a:tailEnd type="triangle"/>
-          </a:ln>
-        </p:spPr>
-        <p:style>
-          <a:lnRef idx="1">
-            <a:schemeClr val="dk1"/>
-          </a:lnRef>
-          <a:fillRef idx="0">
-            <a:schemeClr val="dk1"/>
-          </a:fillRef>
-          <a:effectRef idx="0">
-            <a:schemeClr val="dk1"/>
-          </a:effectRef>
-          <a:fontRef idx="minor">
-            <a:schemeClr val="tx1"/>
-          </a:fontRef>
-        </p:style>
-      </p:cxnSp>
-      <p:cxnSp>
-        <p:nvCxnSpPr>
-          <p:cNvPr id="89" name="Straight Arrow Connector 88">
-            <a:extLst>
-              <a:ext uri="{FF2B5EF4-FFF2-40B4-BE49-F238E27FC236}">
-                <a16:creationId xmlns:a16="http://schemas.microsoft.com/office/drawing/2014/main" id="{82277F98-A6DD-6060-683F-C18C442F3552}"/>
-              </a:ext>
-            </a:extLst>
-          </p:cNvPr>
-          <p:cNvCxnSpPr>
-            <a:cxnSpLocks/>
-          </p:cNvCxnSpPr>
-          <p:nvPr/>
-        </p:nvCxnSpPr>
-        <p:spPr>
-          <a:xfrm flipH="1">
-            <a:off x="2736749" y="415328"/>
-            <a:ext cx="858650" cy="0"/>
-          </a:xfrm>
-          <a:prstGeom prst="straightConnector1">
-            <a:avLst/>
-          </a:prstGeom>
-          <a:ln>
-            <a:tailEnd type="triangle"/>
-          </a:ln>
-        </p:spPr>
-        <p:style>
-          <a:lnRef idx="1">
-            <a:schemeClr val="dk1"/>
-          </a:lnRef>
-          <a:fillRef idx="0">
-            <a:schemeClr val="dk1"/>
-          </a:fillRef>
-          <a:effectRef idx="0">
-            <a:schemeClr val="dk1"/>
-          </a:effectRef>
-          <a:fontRef idx="minor">
-            <a:schemeClr val="tx1"/>
-          </a:fontRef>
-        </p:style>
-      </p:cxnSp>
-      <p:cxnSp>
-        <p:nvCxnSpPr>
-          <p:cNvPr id="91" name="Straight Arrow Connector 90">
-            <a:extLst>
-              <a:ext uri="{FF2B5EF4-FFF2-40B4-BE49-F238E27FC236}">
-                <a16:creationId xmlns:a16="http://schemas.microsoft.com/office/drawing/2014/main" id="{3971B441-88E6-1E5B-9380-C0E878429B35}"/>
-              </a:ext>
-            </a:extLst>
-          </p:cNvPr>
-          <p:cNvCxnSpPr>
-            <a:cxnSpLocks/>
-          </p:cNvCxnSpPr>
-          <p:nvPr/>
-        </p:nvCxnSpPr>
-        <p:spPr>
-          <a:xfrm flipV="1">
-            <a:off x="4819220" y="402629"/>
-            <a:ext cx="1126497" cy="14558"/>
           </a:xfrm>
           <a:prstGeom prst="straightConnector1">
             <a:avLst/>
